--- a/Game_Project/ch1/작업용 PPT.pptx
+++ b/Game_Project/ch1/작업용 PPT.pptx
@@ -5,12 +5,15 @@
     <p:sldMasterId id="2147483648" r:id="rId1"/>
   </p:sldMasterIdLst>
   <p:notesMasterIdLst>
-    <p:notesMasterId r:id="rId5"/>
+    <p:notesMasterId r:id="rId8"/>
   </p:notesMasterIdLst>
   <p:sldIdLst>
     <p:sldId id="256" r:id="rId2"/>
-    <p:sldId id="257" r:id="rId3"/>
-    <p:sldId id="258" r:id="rId4"/>
+    <p:sldId id="260" r:id="rId3"/>
+    <p:sldId id="261" r:id="rId4"/>
+    <p:sldId id="259" r:id="rId5"/>
+    <p:sldId id="257" r:id="rId6"/>
+    <p:sldId id="258" r:id="rId7"/>
   </p:sldIdLst>
   <p:sldSz cx="9144000" cy="6858000" type="screen4x3"/>
   <p:notesSz cx="6858000" cy="9144000"/>
@@ -109,6 +112,22 @@
       </a:defRPr>
     </a:lvl9pPr>
   </p:defaultTextStyle>
+  <p:extLst>
+    <p:ext uri="{EFAFB233-063F-42B5-8137-9DF3F51BA10A}">
+      <p15:sldGuideLst xmlns:p15="http://schemas.microsoft.com/office/powerpoint/2012/main">
+        <p15:guide id="1" orient="horz" pos="2160">
+          <p15:clr>
+            <a:srgbClr val="A4A3A4"/>
+          </p15:clr>
+        </p15:guide>
+        <p15:guide id="2" pos="2880">
+          <p15:clr>
+            <a:srgbClr val="A4A3A4"/>
+          </p15:clr>
+        </p15:guide>
+      </p15:sldGuideLst>
+    </p:ext>
+  </p:extLst>
 </p:presentation>
 </file>
 
@@ -194,7 +213,7 @@
           <a:p>
             <a:fld id="{5817AA59-4BB8-4F81-8711-A4493DD09566}" type="datetimeFigureOut">
               <a:rPr lang="ko-KR" altLang="en-US" smtClean="0"/>
-              <a:t>2016-10-16</a:t>
+              <a:t>2016-10-18</a:t>
             </a:fld>
             <a:endParaRPr lang="ko-KR" altLang="en-US"/>
           </a:p>
@@ -258,38 +277,37 @@
           <a:p>
             <a:pPr lvl="0"/>
             <a:r>
-              <a:rPr lang="ko-KR" altLang="en-US" smtClean="0"/>
+              <a:rPr lang="ko-KR" altLang="en-US"/>
               <a:t>마스터 텍스트 스타일을 편집합니다</a:t>
             </a:r>
           </a:p>
           <a:p>
             <a:pPr lvl="1"/>
             <a:r>
-              <a:rPr lang="ko-KR" altLang="en-US" smtClean="0"/>
+              <a:rPr lang="ko-KR" altLang="en-US"/>
               <a:t>둘째 수준</a:t>
             </a:r>
           </a:p>
           <a:p>
             <a:pPr lvl="2"/>
             <a:r>
-              <a:rPr lang="ko-KR" altLang="en-US" smtClean="0"/>
+              <a:rPr lang="ko-KR" altLang="en-US"/>
               <a:t>셋째 수준</a:t>
             </a:r>
           </a:p>
           <a:p>
             <a:pPr lvl="3"/>
             <a:r>
-              <a:rPr lang="ko-KR" altLang="en-US" smtClean="0"/>
+              <a:rPr lang="ko-KR" altLang="en-US"/>
               <a:t>넷째 수준</a:t>
             </a:r>
           </a:p>
           <a:p>
             <a:pPr lvl="4"/>
             <a:r>
-              <a:rPr lang="ko-KR" altLang="en-US" smtClean="0"/>
+              <a:rPr lang="ko-KR" altLang="en-US"/>
               <a:t>다섯째 수준</a:t>
             </a:r>
-            <a:endParaRPr lang="ko-KR" altLang="en-US"/>
           </a:p>
         </p:txBody>
       </p:sp>
@@ -584,10 +602,9 @@
           <a:lstStyle/>
           <a:p>
             <a:r>
-              <a:rPr lang="ko-KR" altLang="en-US" smtClean="0"/>
+              <a:rPr lang="ko-KR" altLang="en-US"/>
               <a:t>마스터 제목 스타일 편집</a:t>
             </a:r>
-            <a:endParaRPr lang="ko-KR" altLang="en-US"/>
           </a:p>
         </p:txBody>
       </p:sp>
@@ -703,10 +720,9 @@
           </a:lstStyle>
           <a:p>
             <a:r>
-              <a:rPr lang="ko-KR" altLang="en-US" smtClean="0"/>
+              <a:rPr lang="ko-KR" altLang="en-US"/>
               <a:t>마스터 부제목 스타일 편집</a:t>
             </a:r>
-            <a:endParaRPr lang="ko-KR" altLang="en-US"/>
           </a:p>
         </p:txBody>
       </p:sp>
@@ -727,7 +743,7 @@
           <a:p>
             <a:fld id="{F4AE5A66-645D-48BB-B2B1-5B2CEA632C9D}" type="datetimeFigureOut">
               <a:rPr lang="ko-KR" altLang="en-US" smtClean="0"/>
-              <a:t>2016-10-16</a:t>
+              <a:t>2016-10-18</a:t>
             </a:fld>
             <a:endParaRPr lang="ko-KR" altLang="en-US"/>
           </a:p>
@@ -821,10 +837,9 @@
           <a:lstStyle/>
           <a:p>
             <a:r>
-              <a:rPr lang="ko-KR" altLang="en-US" smtClean="0"/>
+              <a:rPr lang="ko-KR" altLang="en-US"/>
               <a:t>마스터 제목 스타일 편집</a:t>
             </a:r>
-            <a:endParaRPr lang="ko-KR" altLang="en-US"/>
           </a:p>
         </p:txBody>
       </p:sp>
@@ -845,38 +860,37 @@
           <a:p>
             <a:pPr lvl="0"/>
             <a:r>
-              <a:rPr lang="ko-KR" altLang="en-US" smtClean="0"/>
+              <a:rPr lang="ko-KR" altLang="en-US"/>
               <a:t>마스터 텍스트 스타일을 편집합니다</a:t>
             </a:r>
           </a:p>
           <a:p>
             <a:pPr lvl="1"/>
             <a:r>
-              <a:rPr lang="ko-KR" altLang="en-US" smtClean="0"/>
+              <a:rPr lang="ko-KR" altLang="en-US"/>
               <a:t>둘째 수준</a:t>
             </a:r>
           </a:p>
           <a:p>
             <a:pPr lvl="2"/>
             <a:r>
-              <a:rPr lang="ko-KR" altLang="en-US" smtClean="0"/>
+              <a:rPr lang="ko-KR" altLang="en-US"/>
               <a:t>셋째 수준</a:t>
             </a:r>
           </a:p>
           <a:p>
             <a:pPr lvl="3"/>
             <a:r>
-              <a:rPr lang="ko-KR" altLang="en-US" smtClean="0"/>
+              <a:rPr lang="ko-KR" altLang="en-US"/>
               <a:t>넷째 수준</a:t>
             </a:r>
           </a:p>
           <a:p>
             <a:pPr lvl="4"/>
             <a:r>
-              <a:rPr lang="ko-KR" altLang="en-US" smtClean="0"/>
+              <a:rPr lang="ko-KR" altLang="en-US"/>
               <a:t>다섯째 수준</a:t>
             </a:r>
-            <a:endParaRPr lang="ko-KR" altLang="en-US"/>
           </a:p>
         </p:txBody>
       </p:sp>
@@ -897,7 +911,7 @@
           <a:p>
             <a:fld id="{F4AE5A66-645D-48BB-B2B1-5B2CEA632C9D}" type="datetimeFigureOut">
               <a:rPr lang="ko-KR" altLang="en-US" smtClean="0"/>
-              <a:t>2016-10-16</a:t>
+              <a:t>2016-10-18</a:t>
             </a:fld>
             <a:endParaRPr lang="ko-KR" altLang="en-US"/>
           </a:p>
@@ -996,10 +1010,9 @@
           <a:lstStyle/>
           <a:p>
             <a:r>
-              <a:rPr lang="ko-KR" altLang="en-US" smtClean="0"/>
+              <a:rPr lang="ko-KR" altLang="en-US"/>
               <a:t>마스터 제목 스타일 편집</a:t>
             </a:r>
-            <a:endParaRPr lang="ko-KR" altLang="en-US"/>
           </a:p>
         </p:txBody>
       </p:sp>
@@ -1025,38 +1038,37 @@
           <a:p>
             <a:pPr lvl="0"/>
             <a:r>
-              <a:rPr lang="ko-KR" altLang="en-US" smtClean="0"/>
+              <a:rPr lang="ko-KR" altLang="en-US"/>
               <a:t>마스터 텍스트 스타일을 편집합니다</a:t>
             </a:r>
           </a:p>
           <a:p>
             <a:pPr lvl="1"/>
             <a:r>
-              <a:rPr lang="ko-KR" altLang="en-US" smtClean="0"/>
+              <a:rPr lang="ko-KR" altLang="en-US"/>
               <a:t>둘째 수준</a:t>
             </a:r>
           </a:p>
           <a:p>
             <a:pPr lvl="2"/>
             <a:r>
-              <a:rPr lang="ko-KR" altLang="en-US" smtClean="0"/>
+              <a:rPr lang="ko-KR" altLang="en-US"/>
               <a:t>셋째 수준</a:t>
             </a:r>
           </a:p>
           <a:p>
             <a:pPr lvl="3"/>
             <a:r>
-              <a:rPr lang="ko-KR" altLang="en-US" smtClean="0"/>
+              <a:rPr lang="ko-KR" altLang="en-US"/>
               <a:t>넷째 수준</a:t>
             </a:r>
           </a:p>
           <a:p>
             <a:pPr lvl="4"/>
             <a:r>
-              <a:rPr lang="ko-KR" altLang="en-US" smtClean="0"/>
+              <a:rPr lang="ko-KR" altLang="en-US"/>
               <a:t>다섯째 수준</a:t>
             </a:r>
-            <a:endParaRPr lang="ko-KR" altLang="en-US"/>
           </a:p>
         </p:txBody>
       </p:sp>
@@ -1077,7 +1089,7 @@
           <a:p>
             <a:fld id="{F4AE5A66-645D-48BB-B2B1-5B2CEA632C9D}" type="datetimeFigureOut">
               <a:rPr lang="ko-KR" altLang="en-US" smtClean="0"/>
-              <a:t>2016-10-16</a:t>
+              <a:t>2016-10-18</a:t>
             </a:fld>
             <a:endParaRPr lang="ko-KR" altLang="en-US"/>
           </a:p>
@@ -1171,10 +1183,9 @@
           <a:lstStyle/>
           <a:p>
             <a:r>
-              <a:rPr lang="ko-KR" altLang="en-US" smtClean="0"/>
+              <a:rPr lang="ko-KR" altLang="en-US"/>
               <a:t>마스터 제목 스타일 편집</a:t>
             </a:r>
-            <a:endParaRPr lang="ko-KR" altLang="en-US"/>
           </a:p>
         </p:txBody>
       </p:sp>
@@ -1195,38 +1206,37 @@
           <a:p>
             <a:pPr lvl="0"/>
             <a:r>
-              <a:rPr lang="ko-KR" altLang="en-US" smtClean="0"/>
+              <a:rPr lang="ko-KR" altLang="en-US"/>
               <a:t>마스터 텍스트 스타일을 편집합니다</a:t>
             </a:r>
           </a:p>
           <a:p>
             <a:pPr lvl="1"/>
             <a:r>
-              <a:rPr lang="ko-KR" altLang="en-US" smtClean="0"/>
+              <a:rPr lang="ko-KR" altLang="en-US"/>
               <a:t>둘째 수준</a:t>
             </a:r>
           </a:p>
           <a:p>
             <a:pPr lvl="2"/>
             <a:r>
-              <a:rPr lang="ko-KR" altLang="en-US" smtClean="0"/>
+              <a:rPr lang="ko-KR" altLang="en-US"/>
               <a:t>셋째 수준</a:t>
             </a:r>
           </a:p>
           <a:p>
             <a:pPr lvl="3"/>
             <a:r>
-              <a:rPr lang="ko-KR" altLang="en-US" smtClean="0"/>
+              <a:rPr lang="ko-KR" altLang="en-US"/>
               <a:t>넷째 수준</a:t>
             </a:r>
           </a:p>
           <a:p>
             <a:pPr lvl="4"/>
             <a:r>
-              <a:rPr lang="ko-KR" altLang="en-US" smtClean="0"/>
+              <a:rPr lang="ko-KR" altLang="en-US"/>
               <a:t>다섯째 수준</a:t>
             </a:r>
-            <a:endParaRPr lang="ko-KR" altLang="en-US"/>
           </a:p>
         </p:txBody>
       </p:sp>
@@ -1247,7 +1257,7 @@
           <a:p>
             <a:fld id="{F4AE5A66-645D-48BB-B2B1-5B2CEA632C9D}" type="datetimeFigureOut">
               <a:rPr lang="ko-KR" altLang="en-US" smtClean="0"/>
-              <a:t>2016-10-16</a:t>
+              <a:t>2016-10-18</a:t>
             </a:fld>
             <a:endParaRPr lang="ko-KR" altLang="en-US"/>
           </a:p>
@@ -1350,10 +1360,9 @@
           </a:lstStyle>
           <a:p>
             <a:r>
-              <a:rPr lang="ko-KR" altLang="en-US" smtClean="0"/>
+              <a:rPr lang="ko-KR" altLang="en-US"/>
               <a:t>마스터 제목 스타일 편집</a:t>
             </a:r>
-            <a:endParaRPr lang="ko-KR" altLang="en-US"/>
           </a:p>
         </p:txBody>
       </p:sp>
@@ -1470,7 +1479,7 @@
           <a:p>
             <a:pPr lvl="0"/>
             <a:r>
-              <a:rPr lang="ko-KR" altLang="en-US" smtClean="0"/>
+              <a:rPr lang="ko-KR" altLang="en-US"/>
               <a:t>마스터 텍스트 스타일을 편집합니다</a:t>
             </a:r>
           </a:p>
@@ -1493,7 +1502,7 @@
           <a:p>
             <a:fld id="{F4AE5A66-645D-48BB-B2B1-5B2CEA632C9D}" type="datetimeFigureOut">
               <a:rPr lang="ko-KR" altLang="en-US" smtClean="0"/>
-              <a:t>2016-10-16</a:t>
+              <a:t>2016-10-18</a:t>
             </a:fld>
             <a:endParaRPr lang="ko-KR" altLang="en-US"/>
           </a:p>
@@ -1587,10 +1596,9 @@
           <a:lstStyle/>
           <a:p>
             <a:r>
-              <a:rPr lang="ko-KR" altLang="en-US" smtClean="0"/>
+              <a:rPr lang="ko-KR" altLang="en-US"/>
               <a:t>마스터 제목 스타일 편집</a:t>
             </a:r>
-            <a:endParaRPr lang="ko-KR" altLang="en-US"/>
           </a:p>
         </p:txBody>
       </p:sp>
@@ -1644,38 +1652,37 @@
           <a:p>
             <a:pPr lvl="0"/>
             <a:r>
-              <a:rPr lang="ko-KR" altLang="en-US" smtClean="0"/>
+              <a:rPr lang="ko-KR" altLang="en-US"/>
               <a:t>마스터 텍스트 스타일을 편집합니다</a:t>
             </a:r>
           </a:p>
           <a:p>
             <a:pPr lvl="1"/>
             <a:r>
-              <a:rPr lang="ko-KR" altLang="en-US" smtClean="0"/>
+              <a:rPr lang="ko-KR" altLang="en-US"/>
               <a:t>둘째 수준</a:t>
             </a:r>
           </a:p>
           <a:p>
             <a:pPr lvl="2"/>
             <a:r>
-              <a:rPr lang="ko-KR" altLang="en-US" smtClean="0"/>
+              <a:rPr lang="ko-KR" altLang="en-US"/>
               <a:t>셋째 수준</a:t>
             </a:r>
           </a:p>
           <a:p>
             <a:pPr lvl="3"/>
             <a:r>
-              <a:rPr lang="ko-KR" altLang="en-US" smtClean="0"/>
+              <a:rPr lang="ko-KR" altLang="en-US"/>
               <a:t>넷째 수준</a:t>
             </a:r>
           </a:p>
           <a:p>
             <a:pPr lvl="4"/>
             <a:r>
-              <a:rPr lang="ko-KR" altLang="en-US" smtClean="0"/>
+              <a:rPr lang="ko-KR" altLang="en-US"/>
               <a:t>다섯째 수준</a:t>
             </a:r>
-            <a:endParaRPr lang="ko-KR" altLang="en-US"/>
           </a:p>
         </p:txBody>
       </p:sp>
@@ -1729,38 +1736,37 @@
           <a:p>
             <a:pPr lvl="0"/>
             <a:r>
-              <a:rPr lang="ko-KR" altLang="en-US" smtClean="0"/>
+              <a:rPr lang="ko-KR" altLang="en-US"/>
               <a:t>마스터 텍스트 스타일을 편집합니다</a:t>
             </a:r>
           </a:p>
           <a:p>
             <a:pPr lvl="1"/>
             <a:r>
-              <a:rPr lang="ko-KR" altLang="en-US" smtClean="0"/>
+              <a:rPr lang="ko-KR" altLang="en-US"/>
               <a:t>둘째 수준</a:t>
             </a:r>
           </a:p>
           <a:p>
             <a:pPr lvl="2"/>
             <a:r>
-              <a:rPr lang="ko-KR" altLang="en-US" smtClean="0"/>
+              <a:rPr lang="ko-KR" altLang="en-US"/>
               <a:t>셋째 수준</a:t>
             </a:r>
           </a:p>
           <a:p>
             <a:pPr lvl="3"/>
             <a:r>
-              <a:rPr lang="ko-KR" altLang="en-US" smtClean="0"/>
+              <a:rPr lang="ko-KR" altLang="en-US"/>
               <a:t>넷째 수준</a:t>
             </a:r>
           </a:p>
           <a:p>
             <a:pPr lvl="4"/>
             <a:r>
-              <a:rPr lang="ko-KR" altLang="en-US" smtClean="0"/>
+              <a:rPr lang="ko-KR" altLang="en-US"/>
               <a:t>다섯째 수준</a:t>
             </a:r>
-            <a:endParaRPr lang="ko-KR" altLang="en-US"/>
           </a:p>
         </p:txBody>
       </p:sp>
@@ -1781,7 +1787,7 @@
           <a:p>
             <a:fld id="{F4AE5A66-645D-48BB-B2B1-5B2CEA632C9D}" type="datetimeFigureOut">
               <a:rPr lang="ko-KR" altLang="en-US" smtClean="0"/>
-              <a:t>2016-10-16</a:t>
+              <a:t>2016-10-18</a:t>
             </a:fld>
             <a:endParaRPr lang="ko-KR" altLang="en-US"/>
           </a:p>
@@ -1879,10 +1885,9 @@
           </a:lstStyle>
           <a:p>
             <a:r>
-              <a:rPr lang="ko-KR" altLang="en-US" smtClean="0"/>
+              <a:rPr lang="ko-KR" altLang="en-US"/>
               <a:t>마스터 제목 스타일 편집</a:t>
             </a:r>
-            <a:endParaRPr lang="ko-KR" altLang="en-US"/>
           </a:p>
         </p:txBody>
       </p:sp>
@@ -1945,7 +1950,7 @@
           <a:p>
             <a:pPr lvl="0"/>
             <a:r>
-              <a:rPr lang="ko-KR" altLang="en-US" smtClean="0"/>
+              <a:rPr lang="ko-KR" altLang="en-US"/>
               <a:t>마스터 텍스트 스타일을 편집합니다</a:t>
             </a:r>
           </a:p>
@@ -2001,38 +2006,37 @@
           <a:p>
             <a:pPr lvl="0"/>
             <a:r>
-              <a:rPr lang="ko-KR" altLang="en-US" smtClean="0"/>
+              <a:rPr lang="ko-KR" altLang="en-US"/>
               <a:t>마스터 텍스트 스타일을 편집합니다</a:t>
             </a:r>
           </a:p>
           <a:p>
             <a:pPr lvl="1"/>
             <a:r>
-              <a:rPr lang="ko-KR" altLang="en-US" smtClean="0"/>
+              <a:rPr lang="ko-KR" altLang="en-US"/>
               <a:t>둘째 수준</a:t>
             </a:r>
           </a:p>
           <a:p>
             <a:pPr lvl="2"/>
             <a:r>
-              <a:rPr lang="ko-KR" altLang="en-US" smtClean="0"/>
+              <a:rPr lang="ko-KR" altLang="en-US"/>
               <a:t>셋째 수준</a:t>
             </a:r>
           </a:p>
           <a:p>
             <a:pPr lvl="3"/>
             <a:r>
-              <a:rPr lang="ko-KR" altLang="en-US" smtClean="0"/>
+              <a:rPr lang="ko-KR" altLang="en-US"/>
               <a:t>넷째 수준</a:t>
             </a:r>
           </a:p>
           <a:p>
             <a:pPr lvl="4"/>
             <a:r>
-              <a:rPr lang="ko-KR" altLang="en-US" smtClean="0"/>
+              <a:rPr lang="ko-KR" altLang="en-US"/>
               <a:t>다섯째 수준</a:t>
             </a:r>
-            <a:endParaRPr lang="ko-KR" altLang="en-US"/>
           </a:p>
         </p:txBody>
       </p:sp>
@@ -2095,7 +2099,7 @@
           <a:p>
             <a:pPr lvl="0"/>
             <a:r>
-              <a:rPr lang="ko-KR" altLang="en-US" smtClean="0"/>
+              <a:rPr lang="ko-KR" altLang="en-US"/>
               <a:t>마스터 텍스트 스타일을 편집합니다</a:t>
             </a:r>
           </a:p>
@@ -2151,38 +2155,37 @@
           <a:p>
             <a:pPr lvl="0"/>
             <a:r>
-              <a:rPr lang="ko-KR" altLang="en-US" smtClean="0"/>
+              <a:rPr lang="ko-KR" altLang="en-US"/>
               <a:t>마스터 텍스트 스타일을 편집합니다</a:t>
             </a:r>
           </a:p>
           <a:p>
             <a:pPr lvl="1"/>
             <a:r>
-              <a:rPr lang="ko-KR" altLang="en-US" smtClean="0"/>
+              <a:rPr lang="ko-KR" altLang="en-US"/>
               <a:t>둘째 수준</a:t>
             </a:r>
           </a:p>
           <a:p>
             <a:pPr lvl="2"/>
             <a:r>
-              <a:rPr lang="ko-KR" altLang="en-US" smtClean="0"/>
+              <a:rPr lang="ko-KR" altLang="en-US"/>
               <a:t>셋째 수준</a:t>
             </a:r>
           </a:p>
           <a:p>
             <a:pPr lvl="3"/>
             <a:r>
-              <a:rPr lang="ko-KR" altLang="en-US" smtClean="0"/>
+              <a:rPr lang="ko-KR" altLang="en-US"/>
               <a:t>넷째 수준</a:t>
             </a:r>
           </a:p>
           <a:p>
             <a:pPr lvl="4"/>
             <a:r>
-              <a:rPr lang="ko-KR" altLang="en-US" smtClean="0"/>
+              <a:rPr lang="ko-KR" altLang="en-US"/>
               <a:t>다섯째 수준</a:t>
             </a:r>
-            <a:endParaRPr lang="ko-KR" altLang="en-US"/>
           </a:p>
         </p:txBody>
       </p:sp>
@@ -2203,7 +2206,7 @@
           <a:p>
             <a:fld id="{F4AE5A66-645D-48BB-B2B1-5B2CEA632C9D}" type="datetimeFigureOut">
               <a:rPr lang="ko-KR" altLang="en-US" smtClean="0"/>
-              <a:t>2016-10-16</a:t>
+              <a:t>2016-10-18</a:t>
             </a:fld>
             <a:endParaRPr lang="ko-KR" altLang="en-US"/>
           </a:p>
@@ -2297,10 +2300,9 @@
           <a:lstStyle/>
           <a:p>
             <a:r>
-              <a:rPr lang="ko-KR" altLang="en-US" smtClean="0"/>
+              <a:rPr lang="ko-KR" altLang="en-US"/>
               <a:t>마스터 제목 스타일 편집</a:t>
             </a:r>
-            <a:endParaRPr lang="ko-KR" altLang="en-US"/>
           </a:p>
         </p:txBody>
       </p:sp>
@@ -2321,7 +2323,7 @@
           <a:p>
             <a:fld id="{F4AE5A66-645D-48BB-B2B1-5B2CEA632C9D}" type="datetimeFigureOut">
               <a:rPr lang="ko-KR" altLang="en-US" smtClean="0"/>
-              <a:t>2016-10-16</a:t>
+              <a:t>2016-10-18</a:t>
             </a:fld>
             <a:endParaRPr lang="ko-KR" altLang="en-US"/>
           </a:p>
@@ -2416,7 +2418,7 @@
           <a:p>
             <a:fld id="{F4AE5A66-645D-48BB-B2B1-5B2CEA632C9D}" type="datetimeFigureOut">
               <a:rPr lang="ko-KR" altLang="en-US" smtClean="0"/>
-              <a:t>2016-10-16</a:t>
+              <a:t>2016-10-18</a:t>
             </a:fld>
             <a:endParaRPr lang="ko-KR" altLang="en-US"/>
           </a:p>
@@ -2519,10 +2521,9 @@
           </a:lstStyle>
           <a:p>
             <a:r>
-              <a:rPr lang="ko-KR" altLang="en-US" smtClean="0"/>
+              <a:rPr lang="ko-KR" altLang="en-US"/>
               <a:t>마스터 제목 스타일 편집</a:t>
             </a:r>
-            <a:endParaRPr lang="ko-KR" altLang="en-US"/>
           </a:p>
         </p:txBody>
       </p:sp>
@@ -2576,38 +2577,37 @@
           <a:p>
             <a:pPr lvl="0"/>
             <a:r>
-              <a:rPr lang="ko-KR" altLang="en-US" smtClean="0"/>
+              <a:rPr lang="ko-KR" altLang="en-US"/>
               <a:t>마스터 텍스트 스타일을 편집합니다</a:t>
             </a:r>
           </a:p>
           <a:p>
             <a:pPr lvl="1"/>
             <a:r>
-              <a:rPr lang="ko-KR" altLang="en-US" smtClean="0"/>
+              <a:rPr lang="ko-KR" altLang="en-US"/>
               <a:t>둘째 수준</a:t>
             </a:r>
           </a:p>
           <a:p>
             <a:pPr lvl="2"/>
             <a:r>
-              <a:rPr lang="ko-KR" altLang="en-US" smtClean="0"/>
+              <a:rPr lang="ko-KR" altLang="en-US"/>
               <a:t>셋째 수준</a:t>
             </a:r>
           </a:p>
           <a:p>
             <a:pPr lvl="3"/>
             <a:r>
-              <a:rPr lang="ko-KR" altLang="en-US" smtClean="0"/>
+              <a:rPr lang="ko-KR" altLang="en-US"/>
               <a:t>넷째 수준</a:t>
             </a:r>
           </a:p>
           <a:p>
             <a:pPr lvl="4"/>
             <a:r>
-              <a:rPr lang="ko-KR" altLang="en-US" smtClean="0"/>
+              <a:rPr lang="ko-KR" altLang="en-US"/>
               <a:t>다섯째 수준</a:t>
             </a:r>
-            <a:endParaRPr lang="ko-KR" altLang="en-US"/>
           </a:p>
         </p:txBody>
       </p:sp>
@@ -2670,7 +2670,7 @@
           <a:p>
             <a:pPr lvl="0"/>
             <a:r>
-              <a:rPr lang="ko-KR" altLang="en-US" smtClean="0"/>
+              <a:rPr lang="ko-KR" altLang="en-US"/>
               <a:t>마스터 텍스트 스타일을 편집합니다</a:t>
             </a:r>
           </a:p>
@@ -2693,7 +2693,7 @@
           <a:p>
             <a:fld id="{F4AE5A66-645D-48BB-B2B1-5B2CEA632C9D}" type="datetimeFigureOut">
               <a:rPr lang="ko-KR" altLang="en-US" smtClean="0"/>
-              <a:t>2016-10-16</a:t>
+              <a:t>2016-10-18</a:t>
             </a:fld>
             <a:endParaRPr lang="ko-KR" altLang="en-US"/>
           </a:p>
@@ -2796,10 +2796,9 @@
           </a:lstStyle>
           <a:p>
             <a:r>
-              <a:rPr lang="ko-KR" altLang="en-US" smtClean="0"/>
+              <a:rPr lang="ko-KR" altLang="en-US"/>
               <a:t>마스터 제목 스타일 편집</a:t>
             </a:r>
-            <a:endParaRPr lang="ko-KR" altLang="en-US"/>
           </a:p>
         </p:txBody>
       </p:sp>
@@ -2923,7 +2922,7 @@
           <a:p>
             <a:pPr lvl="0"/>
             <a:r>
-              <a:rPr lang="ko-KR" altLang="en-US" smtClean="0"/>
+              <a:rPr lang="ko-KR" altLang="en-US"/>
               <a:t>마스터 텍스트 스타일을 편집합니다</a:t>
             </a:r>
           </a:p>
@@ -2946,7 +2945,7 @@
           <a:p>
             <a:fld id="{F4AE5A66-645D-48BB-B2B1-5B2CEA632C9D}" type="datetimeFigureOut">
               <a:rPr lang="ko-KR" altLang="en-US" smtClean="0"/>
-              <a:t>2016-10-16</a:t>
+              <a:t>2016-10-18</a:t>
             </a:fld>
             <a:endParaRPr lang="ko-KR" altLang="en-US"/>
           </a:p>
@@ -3055,10 +3054,9 @@
           <a:lstStyle/>
           <a:p>
             <a:r>
-              <a:rPr lang="ko-KR" altLang="en-US" smtClean="0"/>
+              <a:rPr lang="ko-KR" altLang="en-US"/>
               <a:t>마스터 제목 스타일 편집</a:t>
             </a:r>
-            <a:endParaRPr lang="ko-KR" altLang="en-US"/>
           </a:p>
         </p:txBody>
       </p:sp>
@@ -3089,38 +3087,37 @@
           <a:p>
             <a:pPr lvl="0"/>
             <a:r>
-              <a:rPr lang="ko-KR" altLang="en-US" smtClean="0"/>
+              <a:rPr lang="ko-KR" altLang="en-US"/>
               <a:t>마스터 텍스트 스타일을 편집합니다</a:t>
             </a:r>
           </a:p>
           <a:p>
             <a:pPr lvl="1"/>
             <a:r>
-              <a:rPr lang="ko-KR" altLang="en-US" smtClean="0"/>
+              <a:rPr lang="ko-KR" altLang="en-US"/>
               <a:t>둘째 수준</a:t>
             </a:r>
           </a:p>
           <a:p>
             <a:pPr lvl="2"/>
             <a:r>
-              <a:rPr lang="ko-KR" altLang="en-US" smtClean="0"/>
+              <a:rPr lang="ko-KR" altLang="en-US"/>
               <a:t>셋째 수준</a:t>
             </a:r>
           </a:p>
           <a:p>
             <a:pPr lvl="3"/>
             <a:r>
-              <a:rPr lang="ko-KR" altLang="en-US" smtClean="0"/>
+              <a:rPr lang="ko-KR" altLang="en-US"/>
               <a:t>넷째 수준</a:t>
             </a:r>
           </a:p>
           <a:p>
             <a:pPr lvl="4"/>
             <a:r>
-              <a:rPr lang="ko-KR" altLang="en-US" smtClean="0"/>
+              <a:rPr lang="ko-KR" altLang="en-US"/>
               <a:t>다섯째 수준</a:t>
             </a:r>
-            <a:endParaRPr lang="ko-KR" altLang="en-US"/>
           </a:p>
         </p:txBody>
       </p:sp>
@@ -3159,7 +3156,7 @@
           <a:p>
             <a:fld id="{F4AE5A66-645D-48BB-B2B1-5B2CEA632C9D}" type="datetimeFigureOut">
               <a:rPr lang="ko-KR" altLang="en-US" smtClean="0"/>
-              <a:t>2016-10-16</a:t>
+              <a:t>2016-10-18</a:t>
             </a:fld>
             <a:endParaRPr lang="ko-KR" altLang="en-US"/>
           </a:p>
@@ -4168,6 +4165,361 @@
           </a:extLst>
         </p:spPr>
       </p:pic>
+      <p:pic>
+        <p:nvPicPr>
+          <p:cNvPr id="8" name="그림 7"/>
+          <p:cNvPicPr>
+            <a:picLocks noChangeAspect="1"/>
+          </p:cNvPicPr>
+          <p:nvPr/>
+        </p:nvPicPr>
+        <p:blipFill>
+          <a:blip r:embed="rId8">
+            <a:extLst>
+              <a:ext uri="{BEBA8EAE-BF5A-486C-A8C5-ECC9F3942E4B}">
+                <a14:imgProps xmlns:a14="http://schemas.microsoft.com/office/drawing/2010/main">
+                  <a14:imgLayer r:embed="rId9">
+                    <a14:imgEffect>
+                      <a14:backgroundRemoval t="0" b="100000" l="0" r="100000"/>
+                    </a14:imgEffect>
+                  </a14:imgLayer>
+                </a14:imgProps>
+              </a:ext>
+              <a:ext uri="{28A0092B-C50C-407E-A947-70E740481C1C}">
+                <a14:useLocalDpi xmlns:a14="http://schemas.microsoft.com/office/drawing/2010/main" val="0"/>
+              </a:ext>
+            </a:extLst>
+          </a:blip>
+          <a:stretch>
+            <a:fillRect/>
+          </a:stretch>
+        </p:blipFill>
+        <p:spPr>
+          <a:xfrm>
+            <a:off x="948065" y="1951135"/>
+            <a:ext cx="476190" cy="323810"/>
+          </a:xfrm>
+          <a:prstGeom prst="rect">
+            <a:avLst/>
+          </a:prstGeom>
+        </p:spPr>
+      </p:pic>
+      <p:pic>
+        <p:nvPicPr>
+          <p:cNvPr id="14" name="그림 13"/>
+          <p:cNvPicPr>
+            <a:picLocks noChangeAspect="1"/>
+          </p:cNvPicPr>
+          <p:nvPr/>
+        </p:nvPicPr>
+        <p:blipFill>
+          <a:blip r:embed="rId10">
+            <a:extLst>
+              <a:ext uri="{BEBA8EAE-BF5A-486C-A8C5-ECC9F3942E4B}">
+                <a14:imgProps xmlns:a14="http://schemas.microsoft.com/office/drawing/2010/main">
+                  <a14:imgLayer r:embed="rId11">
+                    <a14:imgEffect>
+                      <a14:backgroundRemoval t="0" b="100000" l="0" r="100000"/>
+                    </a14:imgEffect>
+                  </a14:imgLayer>
+                </a14:imgProps>
+              </a:ext>
+              <a:ext uri="{28A0092B-C50C-407E-A947-70E740481C1C}">
+                <a14:useLocalDpi xmlns:a14="http://schemas.microsoft.com/office/drawing/2010/main" val="0"/>
+              </a:ext>
+            </a:extLst>
+          </a:blip>
+          <a:stretch>
+            <a:fillRect/>
+          </a:stretch>
+        </p:blipFill>
+        <p:spPr>
+          <a:xfrm>
+            <a:off x="235664" y="1840828"/>
+            <a:ext cx="476190" cy="304762"/>
+          </a:xfrm>
+          <a:prstGeom prst="rect">
+            <a:avLst/>
+          </a:prstGeom>
+        </p:spPr>
+      </p:pic>
+      <p:pic>
+        <p:nvPicPr>
+          <p:cNvPr id="15" name="그림 14"/>
+          <p:cNvPicPr>
+            <a:picLocks noChangeAspect="1"/>
+          </p:cNvPicPr>
+          <p:nvPr/>
+        </p:nvPicPr>
+        <p:blipFill>
+          <a:blip r:embed="rId12">
+            <a:extLst>
+              <a:ext uri="{BEBA8EAE-BF5A-486C-A8C5-ECC9F3942E4B}">
+                <a14:imgProps xmlns:a14="http://schemas.microsoft.com/office/drawing/2010/main">
+                  <a14:imgLayer r:embed="rId13">
+                    <a14:imgEffect>
+                      <a14:backgroundRemoval t="0" b="100000" l="0" r="100000"/>
+                    </a14:imgEffect>
+                  </a14:imgLayer>
+                </a14:imgProps>
+              </a:ext>
+              <a:ext uri="{28A0092B-C50C-407E-A947-70E740481C1C}">
+                <a14:useLocalDpi xmlns:a14="http://schemas.microsoft.com/office/drawing/2010/main" val="0"/>
+              </a:ext>
+            </a:extLst>
+          </a:blip>
+          <a:stretch>
+            <a:fillRect/>
+          </a:stretch>
+        </p:blipFill>
+        <p:spPr>
+          <a:xfrm>
+            <a:off x="2169567" y="2035195"/>
+            <a:ext cx="476190" cy="323810"/>
+          </a:xfrm>
+          <a:prstGeom prst="rect">
+            <a:avLst/>
+          </a:prstGeom>
+        </p:spPr>
+      </p:pic>
+      <p:pic>
+        <p:nvPicPr>
+          <p:cNvPr id="13" name="그림 12"/>
+          <p:cNvPicPr>
+            <a:picLocks noChangeAspect="1"/>
+          </p:cNvPicPr>
+          <p:nvPr/>
+        </p:nvPicPr>
+        <p:blipFill>
+          <a:blip r:embed="rId14">
+            <a:extLst>
+              <a:ext uri="{28A0092B-C50C-407E-A947-70E740481C1C}">
+                <a14:useLocalDpi xmlns:a14="http://schemas.microsoft.com/office/drawing/2010/main" val="0"/>
+              </a:ext>
+            </a:extLst>
+          </a:blip>
+          <a:stretch>
+            <a:fillRect/>
+          </a:stretch>
+        </p:blipFill>
+        <p:spPr>
+          <a:xfrm>
+            <a:off x="-23526" y="1494748"/>
+            <a:ext cx="9144000" cy="128588"/>
+          </a:xfrm>
+          <a:prstGeom prst="rect">
+            <a:avLst/>
+          </a:prstGeom>
+        </p:spPr>
+      </p:pic>
+      <p:pic>
+        <p:nvPicPr>
+          <p:cNvPr id="22" name="그림 21"/>
+          <p:cNvPicPr>
+            <a:picLocks noChangeAspect="1"/>
+          </p:cNvPicPr>
+          <p:nvPr/>
+        </p:nvPicPr>
+        <p:blipFill>
+          <a:blip r:embed="rId14">
+            <a:biLevel thresh="25000"/>
+            <a:extLst>
+              <a:ext uri="{28A0092B-C50C-407E-A947-70E740481C1C}">
+                <a14:useLocalDpi xmlns:a14="http://schemas.microsoft.com/office/drawing/2010/main" val="0"/>
+              </a:ext>
+            </a:extLst>
+          </a:blip>
+          <a:stretch>
+            <a:fillRect/>
+          </a:stretch>
+        </p:blipFill>
+        <p:spPr>
+          <a:xfrm>
+            <a:off x="-23526" y="1820169"/>
+            <a:ext cx="9144000" cy="128588"/>
+          </a:xfrm>
+          <a:prstGeom prst="rect">
+            <a:avLst/>
+          </a:prstGeom>
+        </p:spPr>
+      </p:pic>
+      <p:pic>
+        <p:nvPicPr>
+          <p:cNvPr id="17" name="그림 16"/>
+          <p:cNvPicPr>
+            <a:picLocks noChangeAspect="1"/>
+          </p:cNvPicPr>
+          <p:nvPr/>
+        </p:nvPicPr>
+        <p:blipFill>
+          <a:blip r:embed="rId15" cstate="print">
+            <a:extLst>
+              <a:ext uri="{28A0092B-C50C-407E-A947-70E740481C1C}">
+                <a14:useLocalDpi xmlns:a14="http://schemas.microsoft.com/office/drawing/2010/main" val="0"/>
+              </a:ext>
+            </a:extLst>
+          </a:blip>
+          <a:stretch>
+            <a:fillRect/>
+          </a:stretch>
+        </p:blipFill>
+        <p:spPr>
+          <a:xfrm>
+            <a:off x="8466352" y="2711409"/>
+            <a:ext cx="691685" cy="615600"/>
+          </a:xfrm>
+          <a:prstGeom prst="rect">
+            <a:avLst/>
+          </a:prstGeom>
+        </p:spPr>
+      </p:pic>
+      <p:pic>
+        <p:nvPicPr>
+          <p:cNvPr id="18" name="그림 17"/>
+          <p:cNvPicPr>
+            <a:picLocks/>
+          </p:cNvPicPr>
+          <p:nvPr/>
+        </p:nvPicPr>
+        <p:blipFill>
+          <a:blip r:embed="rId16">
+            <a:extLst>
+              <a:ext uri="{BEBA8EAE-BF5A-486C-A8C5-ECC9F3942E4B}">
+                <a14:imgProps xmlns:a14="http://schemas.microsoft.com/office/drawing/2010/main">
+                  <a14:imgLayer r:embed="rId17">
+                    <a14:imgEffect>
+                      <a14:brightnessContrast bright="-4000" contrast="73000"/>
+                    </a14:imgEffect>
+                  </a14:imgLayer>
+                </a14:imgProps>
+              </a:ext>
+              <a:ext uri="{28A0092B-C50C-407E-A947-70E740481C1C}">
+                <a14:useLocalDpi xmlns:a14="http://schemas.microsoft.com/office/drawing/2010/main" val="0"/>
+              </a:ext>
+            </a:extLst>
+          </a:blip>
+          <a:stretch>
+            <a:fillRect/>
+          </a:stretch>
+        </p:blipFill>
+        <p:spPr>
+          <a:xfrm>
+            <a:off x="1913269" y="5170698"/>
+            <a:ext cx="198000" cy="144000"/>
+          </a:xfrm>
+          <a:prstGeom prst="rect">
+            <a:avLst/>
+          </a:prstGeom>
+        </p:spPr>
+      </p:pic>
+      <p:pic>
+        <p:nvPicPr>
+          <p:cNvPr id="19" name="그림 18"/>
+          <p:cNvPicPr>
+            <a:picLocks/>
+          </p:cNvPicPr>
+          <p:nvPr/>
+        </p:nvPicPr>
+        <p:blipFill>
+          <a:blip r:embed="rId18">
+            <a:extLst>
+              <a:ext uri="{BEBA8EAE-BF5A-486C-A8C5-ECC9F3942E4B}">
+                <a14:imgProps xmlns:a14="http://schemas.microsoft.com/office/drawing/2010/main">
+                  <a14:imgLayer r:embed="rId19">
+                    <a14:imgEffect>
+                      <a14:brightnessContrast bright="-17000" contrast="65000"/>
+                    </a14:imgEffect>
+                  </a14:imgLayer>
+                </a14:imgProps>
+              </a:ext>
+              <a:ext uri="{28A0092B-C50C-407E-A947-70E740481C1C}">
+                <a14:useLocalDpi xmlns:a14="http://schemas.microsoft.com/office/drawing/2010/main" val="0"/>
+              </a:ext>
+            </a:extLst>
+          </a:blip>
+          <a:stretch>
+            <a:fillRect/>
+          </a:stretch>
+        </p:blipFill>
+        <p:spPr>
+          <a:xfrm>
+            <a:off x="1913269" y="4927563"/>
+            <a:ext cx="198000" cy="144000"/>
+          </a:xfrm>
+          <a:prstGeom prst="rect">
+            <a:avLst/>
+          </a:prstGeom>
+        </p:spPr>
+      </p:pic>
+      <p:pic>
+        <p:nvPicPr>
+          <p:cNvPr id="20" name="그림 19"/>
+          <p:cNvPicPr>
+            <a:picLocks/>
+          </p:cNvPicPr>
+          <p:nvPr/>
+        </p:nvPicPr>
+        <p:blipFill>
+          <a:blip r:embed="rId20">
+            <a:extLst>
+              <a:ext uri="{BEBA8EAE-BF5A-486C-A8C5-ECC9F3942E4B}">
+                <a14:imgProps xmlns:a14="http://schemas.microsoft.com/office/drawing/2010/main">
+                  <a14:imgLayer r:embed="rId21">
+                    <a14:imgEffect>
+                      <a14:brightnessContrast bright="-18000" contrast="48000"/>
+                    </a14:imgEffect>
+                  </a14:imgLayer>
+                </a14:imgProps>
+              </a:ext>
+              <a:ext uri="{28A0092B-C50C-407E-A947-70E740481C1C}">
+                <a14:useLocalDpi xmlns:a14="http://schemas.microsoft.com/office/drawing/2010/main" val="0"/>
+              </a:ext>
+            </a:extLst>
+          </a:blip>
+          <a:stretch>
+            <a:fillRect/>
+          </a:stretch>
+        </p:blipFill>
+        <p:spPr>
+          <a:xfrm>
+            <a:off x="1910060" y="4684428"/>
+            <a:ext cx="198000" cy="144000"/>
+          </a:xfrm>
+          <a:prstGeom prst="rect">
+            <a:avLst/>
+          </a:prstGeom>
+        </p:spPr>
+      </p:pic>
+      <p:pic>
+        <p:nvPicPr>
+          <p:cNvPr id="23" name="그림 22"/>
+          <p:cNvPicPr>
+            <a:picLocks noChangeAspect="1"/>
+          </p:cNvPicPr>
+          <p:nvPr/>
+        </p:nvPicPr>
+        <p:blipFill>
+          <a:blip r:embed="rId22">
+            <a:extLst>
+              <a:ext uri="{28A0092B-C50C-407E-A947-70E740481C1C}">
+                <a14:useLocalDpi xmlns:a14="http://schemas.microsoft.com/office/drawing/2010/main" val="0"/>
+              </a:ext>
+            </a:extLst>
+          </a:blip>
+          <a:stretch>
+            <a:fillRect/>
+          </a:stretch>
+        </p:blipFill>
+        <p:spPr>
+          <a:xfrm>
+            <a:off x="6619106" y="2197100"/>
+            <a:ext cx="4572000" cy="4572000"/>
+          </a:xfrm>
+          <a:prstGeom prst="rect">
+            <a:avLst/>
+          </a:prstGeom>
+        </p:spPr>
+      </p:pic>
     </p:spTree>
     <p:extLst>
       <p:ext uri="{BB962C8B-B14F-4D97-AF65-F5344CB8AC3E}">
@@ -4178,17 +4530,647 @@
   <p:clrMapOvr>
     <a:masterClrMapping/>
   </p:clrMapOvr>
-  <p:timing>
-    <p:tnLst>
-      <p:par>
-        <p:cTn id="1" dur="indefinite" restart="never" nodeType="tmRoot"/>
-      </p:par>
-    </p:tnLst>
-  </p:timing>
 </p:sld>
 </file>
 
 <file path=ppt/slides/slide2.xml><?xml version="1.0" encoding="utf-8"?>
+<p:sld xmlns:a="http://schemas.openxmlformats.org/drawingml/2006/main" xmlns:r="http://schemas.openxmlformats.org/officeDocument/2006/relationships" xmlns:p="http://schemas.openxmlformats.org/presentationml/2006/main">
+  <p:cSld>
+    <p:spTree>
+      <p:nvGrpSpPr>
+        <p:cNvPr id="1" name=""/>
+        <p:cNvGrpSpPr/>
+        <p:nvPr/>
+      </p:nvGrpSpPr>
+      <p:grpSpPr>
+        <a:xfrm>
+          <a:off x="0" y="0"/>
+          <a:ext cx="0" cy="0"/>
+          <a:chOff x="0" y="0"/>
+          <a:chExt cx="0" cy="0"/>
+        </a:xfrm>
+      </p:grpSpPr>
+      <p:pic>
+        <p:nvPicPr>
+          <p:cNvPr id="5" name="그림 4"/>
+          <p:cNvPicPr>
+            <a:picLocks noChangeAspect="1"/>
+          </p:cNvPicPr>
+          <p:nvPr/>
+        </p:nvPicPr>
+        <p:blipFill>
+          <a:blip r:embed="rId2">
+            <a:extLst>
+              <a:ext uri="{28A0092B-C50C-407E-A947-70E740481C1C}">
+                <a14:useLocalDpi xmlns:a14="http://schemas.microsoft.com/office/drawing/2010/main" val="0"/>
+              </a:ext>
+            </a:extLst>
+          </a:blip>
+          <a:stretch>
+            <a:fillRect/>
+          </a:stretch>
+        </p:blipFill>
+        <p:spPr>
+          <a:xfrm>
+            <a:off x="2398812" y="588867"/>
+            <a:ext cx="1592169" cy="2080800"/>
+          </a:xfrm>
+          <a:prstGeom prst="rect">
+            <a:avLst/>
+          </a:prstGeom>
+        </p:spPr>
+      </p:pic>
+      <p:pic>
+        <p:nvPicPr>
+          <p:cNvPr id="6" name="그림 5"/>
+          <p:cNvPicPr>
+            <a:picLocks noChangeAspect="1"/>
+          </p:cNvPicPr>
+          <p:nvPr/>
+        </p:nvPicPr>
+        <p:blipFill>
+          <a:blip r:embed="rId3">
+            <a:extLst>
+              <a:ext uri="{BEBA8EAE-BF5A-486C-A8C5-ECC9F3942E4B}">
+                <a14:imgProps xmlns:a14="http://schemas.microsoft.com/office/drawing/2010/main">
+                  <a14:imgLayer r:embed="rId4">
+                    <a14:imgEffect>
+                      <a14:backgroundRemoval t="0" b="100000" l="0" r="96552">
+                        <a14:foregroundMark x1="15172" y1="4737" x2="17241" y2="21579"/>
+                        <a14:foregroundMark x1="17241" y1="31053" x2="17241" y2="47895"/>
+                        <a14:foregroundMark x1="14483" y1="55263" x2="17241" y2="73684"/>
+                        <a14:foregroundMark x1="22069" y1="82632" x2="14483" y2="99474"/>
+                        <a14:foregroundMark x1="46897" y1="8421" x2="51724" y2="23684"/>
+                        <a14:foregroundMark x1="44828" y1="21053" x2="40000" y2="21053"/>
+                        <a14:foregroundMark x1="52414" y1="17368" x2="52414" y2="17368"/>
+                        <a14:foregroundMark x1="58621" y1="21053" x2="58621" y2="21053"/>
+                        <a14:foregroundMark x1="48966" y1="29474" x2="47586" y2="48947"/>
+                        <a14:foregroundMark x1="48966" y1="55263" x2="48966" y2="73684"/>
+                        <a14:foregroundMark x1="83448" y1="6316" x2="81379" y2="23158"/>
+                        <a14:foregroundMark x1="83448" y1="29474" x2="79310" y2="47895"/>
+                        <a14:foregroundMark x1="84138" y1="58421" x2="84138" y2="72105"/>
+                        <a14:foregroundMark x1="84138" y1="80000" x2="83448" y2="99474"/>
+                      </a14:backgroundRemoval>
+                    </a14:imgEffect>
+                  </a14:imgLayer>
+                </a14:imgProps>
+              </a:ext>
+              <a:ext uri="{28A0092B-C50C-407E-A947-70E740481C1C}">
+                <a14:useLocalDpi xmlns:a14="http://schemas.microsoft.com/office/drawing/2010/main" val="0"/>
+              </a:ext>
+            </a:extLst>
+          </a:blip>
+          <a:stretch>
+            <a:fillRect/>
+          </a:stretch>
+        </p:blipFill>
+        <p:spPr>
+          <a:xfrm>
+            <a:off x="9396536" y="2060848"/>
+            <a:ext cx="1380952" cy="1809524"/>
+          </a:xfrm>
+          <a:prstGeom prst="rect">
+            <a:avLst/>
+          </a:prstGeom>
+        </p:spPr>
+      </p:pic>
+      <p:pic>
+        <p:nvPicPr>
+          <p:cNvPr id="9" name="그림 8"/>
+          <p:cNvPicPr>
+            <a:picLocks noChangeAspect="1"/>
+          </p:cNvPicPr>
+          <p:nvPr/>
+        </p:nvPicPr>
+        <p:blipFill>
+          <a:blip r:embed="rId5">
+            <a:extLst>
+              <a:ext uri="{BEBA8EAE-BF5A-486C-A8C5-ECC9F3942E4B}">
+                <a14:imgProps xmlns:a14="http://schemas.microsoft.com/office/drawing/2010/main">
+                  <a14:imgLayer r:embed="rId6">
+                    <a14:imgEffect>
+                      <a14:backgroundRemoval t="0" b="100000" l="0" r="100000">
+                        <a14:foregroundMark x1="9167" y1="50000" x2="11042" y2="48125"/>
+                        <a14:foregroundMark x1="29583" y1="47708" x2="33125" y2="56458"/>
+                        <a14:foregroundMark x1="48333" y1="49375" x2="53542" y2="54167"/>
+                        <a14:foregroundMark x1="67708" y1="48542" x2="72708" y2="53333"/>
+                        <a14:foregroundMark x1="89583" y1="48542" x2="91250" y2="54167"/>
+                        <a14:foregroundMark x1="8958" y1="28125" x2="9792" y2="34167"/>
+                        <a14:foregroundMark x1="32708" y1="25208" x2="28958" y2="35833"/>
+                        <a14:foregroundMark x1="51667" y1="24583" x2="46458" y2="37083"/>
+                        <a14:foregroundMark x1="71250" y1="26042" x2="68333" y2="37917"/>
+                        <a14:foregroundMark x1="91042" y1="25417" x2="89167" y2="38125"/>
+                        <a14:foregroundMark x1="90417" y1="10417" x2="90417" y2="10417"/>
+                        <a14:foregroundMark x1="70208" y1="10417" x2="70208" y2="10417"/>
+                        <a14:foregroundMark x1="50625" y1="10833" x2="50625" y2="10833"/>
+                        <a14:foregroundMark x1="29583" y1="10833" x2="29583" y2="10833"/>
+                        <a14:foregroundMark x1="10417" y1="10417" x2="10417" y2="10417"/>
+                        <a14:backgroundMark x1="19167" y1="11458" x2="19792" y2="20208"/>
+                        <a14:backgroundMark x1="20625" y1="10417" x2="20625" y2="10417"/>
+                        <a14:backgroundMark x1="2500" y1="67500" x2="94792" y2="66667"/>
+                        <a14:backgroundMark x1="20000" y1="38958" x2="20000" y2="71458"/>
+                        <a14:backgroundMark x1="42292" y1="41875" x2="41042" y2="69167"/>
+                        <a14:backgroundMark x1="61667" y1="42708" x2="58542" y2="68333"/>
+                        <a14:backgroundMark x1="82083" y1="44167" x2="78333" y2="68333"/>
+                        <a14:backgroundMark x1="58750" y1="23333" x2="60208" y2="41042"/>
+                        <a14:backgroundMark x1="81667" y1="22500" x2="78542" y2="41042"/>
+                        <a14:backgroundMark x1="97917" y1="22500" x2="99167" y2="42292"/>
+                      </a14:backgroundRemoval>
+                    </a14:imgEffect>
+                  </a14:imgLayer>
+                </a14:imgProps>
+              </a:ext>
+              <a:ext uri="{28A0092B-C50C-407E-A947-70E740481C1C}">
+                <a14:useLocalDpi xmlns:a14="http://schemas.microsoft.com/office/drawing/2010/main" val="0"/>
+              </a:ext>
+            </a:extLst>
+          </a:blip>
+          <a:stretch>
+            <a:fillRect/>
+          </a:stretch>
+        </p:blipFill>
+        <p:spPr>
+          <a:xfrm>
+            <a:off x="4559695" y="1196752"/>
+            <a:ext cx="4572000" cy="4572000"/>
+          </a:xfrm>
+          <a:prstGeom prst="rect">
+            <a:avLst/>
+          </a:prstGeom>
+        </p:spPr>
+      </p:pic>
+    </p:spTree>
+    <p:extLst>
+      <p:ext uri="{BB962C8B-B14F-4D97-AF65-F5344CB8AC3E}">
+        <p14:creationId xmlns:p14="http://schemas.microsoft.com/office/powerpoint/2010/main" val="867284708"/>
+      </p:ext>
+    </p:extLst>
+  </p:cSld>
+  <p:clrMapOvr>
+    <a:masterClrMapping/>
+  </p:clrMapOvr>
+</p:sld>
+</file>
+
+<file path=ppt/slides/slide3.xml><?xml version="1.0" encoding="utf-8"?>
+<p:sld xmlns:a="http://schemas.openxmlformats.org/drawingml/2006/main" xmlns:r="http://schemas.openxmlformats.org/officeDocument/2006/relationships" xmlns:p="http://schemas.openxmlformats.org/presentationml/2006/main">
+  <p:cSld>
+    <p:spTree>
+      <p:nvGrpSpPr>
+        <p:cNvPr id="1" name=""/>
+        <p:cNvGrpSpPr/>
+        <p:nvPr/>
+      </p:nvGrpSpPr>
+      <p:grpSpPr>
+        <a:xfrm>
+          <a:off x="0" y="0"/>
+          <a:ext cx="0" cy="0"/>
+          <a:chOff x="0" y="0"/>
+          <a:chExt cx="0" cy="0"/>
+        </a:xfrm>
+      </p:grpSpPr>
+      <p:pic>
+        <p:nvPicPr>
+          <p:cNvPr id="4" name="그림 3"/>
+          <p:cNvPicPr>
+            <a:picLocks noChangeAspect="1"/>
+          </p:cNvPicPr>
+          <p:nvPr/>
+        </p:nvPicPr>
+        <p:blipFill>
+          <a:blip r:embed="rId2">
+            <a:extLst>
+              <a:ext uri="{BEBA8EAE-BF5A-486C-A8C5-ECC9F3942E4B}">
+                <a14:imgProps xmlns:a14="http://schemas.microsoft.com/office/drawing/2010/main">
+                  <a14:imgLayer r:embed="rId3">
+                    <a14:imgEffect>
+                      <a14:backgroundRemoval t="0" b="100000" l="0" r="100000">
+                        <a14:foregroundMark x1="9236" y1="29792" x2="9236" y2="29792"/>
+                        <a14:foregroundMark x1="30486" y1="31319" x2="30486" y2="31319"/>
+                        <a14:foregroundMark x1="50000" y1="31111" x2="50000" y2="31111"/>
+                        <a14:foregroundMark x1="90000" y1="29931" x2="90000" y2="29931"/>
+                        <a14:foregroundMark x1="9583" y1="49861" x2="9583" y2="49861"/>
+                        <a14:foregroundMark x1="30486" y1="51389" x2="30486" y2="51389"/>
+                        <a14:foregroundMark x1="49444" y1="51042" x2="49444" y2="51042"/>
+                        <a14:foregroundMark x1="70486" y1="49653" x2="70486" y2="49653"/>
+                        <a14:foregroundMark x1="90417" y1="50625" x2="90417" y2="50625"/>
+                        <a14:foregroundMark x1="90208" y1="10833" x2="90208" y2="10833"/>
+                        <a14:foregroundMark x1="70694" y1="10208" x2="70694" y2="10208"/>
+                        <a14:foregroundMark x1="68958" y1="10069" x2="68958" y2="10069"/>
+                        <a14:foregroundMark x1="71458" y1="9306" x2="71458" y2="9306"/>
+                        <a14:foregroundMark x1="50417" y1="10417" x2="50417" y2="10417"/>
+                        <a14:foregroundMark x1="50972" y1="9653" x2="50972" y2="9653"/>
+                        <a14:foregroundMark x1="30278" y1="11042" x2="30278" y2="11042"/>
+                        <a14:foregroundMark x1="9583" y1="11042" x2="9583" y2="11042"/>
+                        <a14:foregroundMark x1="90972" y1="52569" x2="90972" y2="52569"/>
+                        <a14:foregroundMark x1="26597" y1="55833" x2="26597" y2="55833"/>
+                      </a14:backgroundRemoval>
+                    </a14:imgEffect>
+                  </a14:imgLayer>
+                </a14:imgProps>
+              </a:ext>
+              <a:ext uri="{28A0092B-C50C-407E-A947-70E740481C1C}">
+                <a14:useLocalDpi xmlns:a14="http://schemas.microsoft.com/office/drawing/2010/main" val="0"/>
+              </a:ext>
+            </a:extLst>
+          </a:blip>
+          <a:stretch>
+            <a:fillRect/>
+          </a:stretch>
+        </p:blipFill>
+        <p:spPr>
+          <a:xfrm>
+            <a:off x="1143000" y="0"/>
+            <a:ext cx="6858000" cy="6858000"/>
+          </a:xfrm>
+          <a:prstGeom prst="rect">
+            <a:avLst/>
+          </a:prstGeom>
+        </p:spPr>
+      </p:pic>
+    </p:spTree>
+    <p:extLst>
+      <p:ext uri="{BB962C8B-B14F-4D97-AF65-F5344CB8AC3E}">
+        <p14:creationId xmlns:p14="http://schemas.microsoft.com/office/powerpoint/2010/main" val="2376831422"/>
+      </p:ext>
+    </p:extLst>
+  </p:cSld>
+  <p:clrMapOvr>
+    <a:masterClrMapping/>
+  </p:clrMapOvr>
+</p:sld>
+</file>
+
+<file path=ppt/slides/slide4.xml><?xml version="1.0" encoding="utf-8"?>
+<p:sld xmlns:a="http://schemas.openxmlformats.org/drawingml/2006/main" xmlns:r="http://schemas.openxmlformats.org/officeDocument/2006/relationships" xmlns:p="http://schemas.openxmlformats.org/presentationml/2006/main">
+  <p:cSld>
+    <p:spTree>
+      <p:nvGrpSpPr>
+        <p:cNvPr id="1" name=""/>
+        <p:cNvGrpSpPr/>
+        <p:nvPr/>
+      </p:nvGrpSpPr>
+      <p:grpSpPr>
+        <a:xfrm>
+          <a:off x="0" y="0"/>
+          <a:ext cx="0" cy="0"/>
+          <a:chOff x="0" y="0"/>
+          <a:chExt cx="0" cy="0"/>
+        </a:xfrm>
+      </p:grpSpPr>
+      <p:pic>
+        <p:nvPicPr>
+          <p:cNvPr id="4" name="그림 3"/>
+          <p:cNvPicPr>
+            <a:picLocks noChangeAspect="1"/>
+          </p:cNvPicPr>
+          <p:nvPr/>
+        </p:nvPicPr>
+        <p:blipFill>
+          <a:blip r:embed="rId2">
+            <a:biLevel thresh="25000"/>
+            <a:extLst>
+              <a:ext uri="{BEBA8EAE-BF5A-486C-A8C5-ECC9F3942E4B}">
+                <a14:imgProps xmlns:a14="http://schemas.microsoft.com/office/drawing/2010/main">
+                  <a14:imgLayer r:embed="rId3">
+                    <a14:imgEffect>
+                      <a14:artisticWatercolorSponge/>
+                    </a14:imgEffect>
+                    <a14:imgEffect>
+                      <a14:saturation sat="300000"/>
+                    </a14:imgEffect>
+                  </a14:imgLayer>
+                </a14:imgProps>
+              </a:ext>
+              <a:ext uri="{28A0092B-C50C-407E-A947-70E740481C1C}">
+                <a14:useLocalDpi xmlns:a14="http://schemas.microsoft.com/office/drawing/2010/main" val="0"/>
+              </a:ext>
+            </a:extLst>
+          </a:blip>
+          <a:stretch>
+            <a:fillRect/>
+          </a:stretch>
+        </p:blipFill>
+        <p:spPr>
+          <a:xfrm>
+            <a:off x="-23526" y="1820168"/>
+            <a:ext cx="9144000" cy="240679"/>
+          </a:xfrm>
+          <a:prstGeom prst="rect">
+            <a:avLst/>
+          </a:prstGeom>
+        </p:spPr>
+      </p:pic>
+      <p:pic>
+        <p:nvPicPr>
+          <p:cNvPr id="5" name="그림 4"/>
+          <p:cNvPicPr>
+            <a:picLocks noChangeAspect="1"/>
+          </p:cNvPicPr>
+          <p:nvPr/>
+        </p:nvPicPr>
+        <p:blipFill>
+          <a:blip r:embed="rId4">
+            <a:extLst>
+              <a:ext uri="{28A0092B-C50C-407E-A947-70E740481C1C}">
+                <a14:useLocalDpi xmlns:a14="http://schemas.microsoft.com/office/drawing/2010/main" val="0"/>
+              </a:ext>
+            </a:extLst>
+          </a:blip>
+          <a:stretch>
+            <a:fillRect/>
+          </a:stretch>
+        </p:blipFill>
+        <p:spPr>
+          <a:xfrm>
+            <a:off x="0" y="3137536"/>
+            <a:ext cx="9144000" cy="146304"/>
+          </a:xfrm>
+          <a:prstGeom prst="rect">
+            <a:avLst/>
+          </a:prstGeom>
+        </p:spPr>
+      </p:pic>
+      <p:pic>
+        <p:nvPicPr>
+          <p:cNvPr id="6" name="그림 5"/>
+          <p:cNvPicPr>
+            <a:picLocks noChangeAspect="1"/>
+          </p:cNvPicPr>
+          <p:nvPr/>
+        </p:nvPicPr>
+        <p:blipFill>
+          <a:blip r:embed="rId5">
+            <a:extLst>
+              <a:ext uri="{28A0092B-C50C-407E-A947-70E740481C1C}">
+                <a14:useLocalDpi xmlns:a14="http://schemas.microsoft.com/office/drawing/2010/main" val="0"/>
+              </a:ext>
+            </a:extLst>
+          </a:blip>
+          <a:stretch>
+            <a:fillRect/>
+          </a:stretch>
+        </p:blipFill>
+        <p:spPr>
+          <a:xfrm>
+            <a:off x="-23526" y="3763714"/>
+            <a:ext cx="7619048" cy="152381"/>
+          </a:xfrm>
+          <a:prstGeom prst="rect">
+            <a:avLst/>
+          </a:prstGeom>
+        </p:spPr>
+      </p:pic>
+      <p:pic>
+        <p:nvPicPr>
+          <p:cNvPr id="7" name="그림 6"/>
+          <p:cNvPicPr>
+            <a:picLocks noChangeAspect="1"/>
+          </p:cNvPicPr>
+          <p:nvPr/>
+        </p:nvPicPr>
+        <p:blipFill>
+          <a:blip r:embed="rId6">
+            <a:extLst>
+              <a:ext uri="{28A0092B-C50C-407E-A947-70E740481C1C}">
+                <a14:useLocalDpi xmlns:a14="http://schemas.microsoft.com/office/drawing/2010/main" val="0"/>
+              </a:ext>
+            </a:extLst>
+          </a:blip>
+          <a:stretch>
+            <a:fillRect/>
+          </a:stretch>
+        </p:blipFill>
+        <p:spPr>
+          <a:xfrm>
+            <a:off x="0" y="4399195"/>
+            <a:ext cx="5714286" cy="152381"/>
+          </a:xfrm>
+          <a:prstGeom prst="rect">
+            <a:avLst/>
+          </a:prstGeom>
+        </p:spPr>
+      </p:pic>
+      <p:pic>
+        <p:nvPicPr>
+          <p:cNvPr id="8" name="그림 7"/>
+          <p:cNvPicPr>
+            <a:picLocks noChangeAspect="1"/>
+          </p:cNvPicPr>
+          <p:nvPr/>
+        </p:nvPicPr>
+        <p:blipFill>
+          <a:blip r:embed="rId7">
+            <a:extLst>
+              <a:ext uri="{28A0092B-C50C-407E-A947-70E740481C1C}">
+                <a14:useLocalDpi xmlns:a14="http://schemas.microsoft.com/office/drawing/2010/main" val="0"/>
+              </a:ext>
+            </a:extLst>
+          </a:blip>
+          <a:stretch>
+            <a:fillRect/>
+          </a:stretch>
+        </p:blipFill>
+        <p:spPr>
+          <a:xfrm>
+            <a:off x="0" y="5031450"/>
+            <a:ext cx="3809524" cy="152381"/>
+          </a:xfrm>
+          <a:prstGeom prst="rect">
+            <a:avLst/>
+          </a:prstGeom>
+        </p:spPr>
+      </p:pic>
+      <p:pic>
+        <p:nvPicPr>
+          <p:cNvPr id="9" name="그림 8"/>
+          <p:cNvPicPr>
+            <a:picLocks noChangeAspect="1"/>
+          </p:cNvPicPr>
+          <p:nvPr/>
+        </p:nvPicPr>
+        <p:blipFill>
+          <a:blip r:embed="rId8">
+            <a:extLst>
+              <a:ext uri="{28A0092B-C50C-407E-A947-70E740481C1C}">
+                <a14:useLocalDpi xmlns:a14="http://schemas.microsoft.com/office/drawing/2010/main" val="0"/>
+              </a:ext>
+            </a:extLst>
+          </a:blip>
+          <a:stretch>
+            <a:fillRect/>
+          </a:stretch>
+        </p:blipFill>
+        <p:spPr>
+          <a:xfrm>
+            <a:off x="0" y="5663705"/>
+            <a:ext cx="1904762" cy="152381"/>
+          </a:xfrm>
+          <a:prstGeom prst="rect">
+            <a:avLst/>
+          </a:prstGeom>
+        </p:spPr>
+      </p:pic>
+      <p:pic>
+        <p:nvPicPr>
+          <p:cNvPr id="10" name="그림 9"/>
+          <p:cNvPicPr>
+            <a:picLocks noChangeAspect="1"/>
+          </p:cNvPicPr>
+          <p:nvPr/>
+        </p:nvPicPr>
+        <p:blipFill>
+          <a:blip r:embed="rId9">
+            <a:extLst>
+              <a:ext uri="{28A0092B-C50C-407E-A947-70E740481C1C}">
+                <a14:useLocalDpi xmlns:a14="http://schemas.microsoft.com/office/drawing/2010/main" val="0"/>
+              </a:ext>
+            </a:extLst>
+          </a:blip>
+          <a:stretch>
+            <a:fillRect/>
+          </a:stretch>
+        </p:blipFill>
+        <p:spPr>
+          <a:xfrm>
+            <a:off x="2978" y="6295960"/>
+            <a:ext cx="285714" cy="152381"/>
+          </a:xfrm>
+          <a:prstGeom prst="rect">
+            <a:avLst/>
+          </a:prstGeom>
+        </p:spPr>
+      </p:pic>
+      <p:pic>
+        <p:nvPicPr>
+          <p:cNvPr id="12" name="그림 11"/>
+          <p:cNvPicPr>
+            <a:picLocks noChangeAspect="1"/>
+          </p:cNvPicPr>
+          <p:nvPr/>
+        </p:nvPicPr>
+        <p:blipFill>
+          <a:blip r:embed="rId10">
+            <a:extLst>
+              <a:ext uri="{BEBA8EAE-BF5A-486C-A8C5-ECC9F3942E4B}">
+                <a14:imgProps xmlns:a14="http://schemas.microsoft.com/office/drawing/2010/main">
+                  <a14:imgLayer r:embed="rId11">
+                    <a14:imgEffect>
+                      <a14:backgroundRemoval t="0" b="100000" l="0" r="100000">
+                        <a14:foregroundMark x1="17333" y1="25424" x2="18000" y2="77966"/>
+                        <a14:foregroundMark x1="32000" y1="23729" x2="32000" y2="77966"/>
+                        <a14:foregroundMark x1="73333" y1="30508" x2="73333" y2="79661"/>
+                      </a14:backgroundRemoval>
+                    </a14:imgEffect>
+                  </a14:imgLayer>
+                </a14:imgProps>
+              </a:ext>
+              <a:ext uri="{28A0092B-C50C-407E-A947-70E740481C1C}">
+                <a14:useLocalDpi xmlns:a14="http://schemas.microsoft.com/office/drawing/2010/main" val="0"/>
+              </a:ext>
+            </a:extLst>
+          </a:blip>
+          <a:stretch>
+            <a:fillRect/>
+          </a:stretch>
+        </p:blipFill>
+        <p:spPr>
+          <a:xfrm>
+            <a:off x="10260632" y="1262319"/>
+            <a:ext cx="1428571" cy="561905"/>
+          </a:xfrm>
+          <a:prstGeom prst="rect">
+            <a:avLst/>
+          </a:prstGeom>
+        </p:spPr>
+      </p:pic>
+      <p:pic>
+        <p:nvPicPr>
+          <p:cNvPr id="13" name="그림 12"/>
+          <p:cNvPicPr>
+            <a:picLocks noChangeAspect="1"/>
+          </p:cNvPicPr>
+          <p:nvPr/>
+        </p:nvPicPr>
+        <p:blipFill>
+          <a:blip r:embed="rId12">
+            <a:extLst>
+              <a:ext uri="{BEBA8EAE-BF5A-486C-A8C5-ECC9F3942E4B}">
+                <a14:imgProps xmlns:a14="http://schemas.microsoft.com/office/drawing/2010/main">
+                  <a14:imgLayer r:embed="rId13">
+                    <a14:imgEffect>
+                      <a14:backgroundRemoval t="0" b="100000" l="0" r="100000">
+                        <a14:foregroundMark x1="21333" y1="25424" x2="21333" y2="77966"/>
+                        <a14:foregroundMark x1="36667" y1="25424" x2="36667" y2="77966"/>
+                        <a14:foregroundMark x1="47333" y1="30508" x2="46000" y2="67797"/>
+                      </a14:backgroundRemoval>
+                    </a14:imgEffect>
+                  </a14:imgLayer>
+                </a14:imgProps>
+              </a:ext>
+              <a:ext uri="{28A0092B-C50C-407E-A947-70E740481C1C}">
+                <a14:useLocalDpi xmlns:a14="http://schemas.microsoft.com/office/drawing/2010/main" val="0"/>
+              </a:ext>
+            </a:extLst>
+          </a:blip>
+          <a:stretch>
+            <a:fillRect/>
+          </a:stretch>
+        </p:blipFill>
+        <p:spPr>
+          <a:xfrm>
+            <a:off x="10260632" y="1920763"/>
+            <a:ext cx="1428571" cy="561905"/>
+          </a:xfrm>
+          <a:prstGeom prst="rect">
+            <a:avLst/>
+          </a:prstGeom>
+        </p:spPr>
+      </p:pic>
+      <p:pic>
+        <p:nvPicPr>
+          <p:cNvPr id="15" name="그림 14"/>
+          <p:cNvPicPr>
+            <a:picLocks noChangeAspect="1"/>
+          </p:cNvPicPr>
+          <p:nvPr/>
+        </p:nvPicPr>
+        <p:blipFill>
+          <a:blip r:embed="rId14" cstate="print">
+            <a:extLst>
+              <a:ext uri="{28A0092B-C50C-407E-A947-70E740481C1C}">
+                <a14:useLocalDpi xmlns:a14="http://schemas.microsoft.com/office/drawing/2010/main" val="0"/>
+              </a:ext>
+            </a:extLst>
+          </a:blip>
+          <a:stretch>
+            <a:fillRect/>
+          </a:stretch>
+        </p:blipFill>
+        <p:spPr>
+          <a:xfrm>
+            <a:off x="9324528" y="3758439"/>
+            <a:ext cx="545670" cy="464400"/>
+          </a:xfrm>
+          <a:prstGeom prst="rect">
+            <a:avLst/>
+          </a:prstGeom>
+        </p:spPr>
+      </p:pic>
+    </p:spTree>
+    <p:extLst>
+      <p:ext uri="{BB962C8B-B14F-4D97-AF65-F5344CB8AC3E}">
+        <p14:creationId xmlns:p14="http://schemas.microsoft.com/office/powerpoint/2010/main" val="2150952791"/>
+      </p:ext>
+    </p:extLst>
+  </p:cSld>
+  <p:clrMapOvr>
+    <a:masterClrMapping/>
+  </p:clrMapOvr>
+</p:sld>
+</file>
+
+<file path=ppt/slides/slide5.xml><?xml version="1.0" encoding="utf-8"?>
 <p:sld xmlns:a="http://schemas.openxmlformats.org/drawingml/2006/main" xmlns:r="http://schemas.openxmlformats.org/officeDocument/2006/relationships" xmlns:p="http://schemas.openxmlformats.org/presentationml/2006/main">
   <p:cSld>
     <p:spTree>
@@ -5078,17 +6060,10 @@
   <p:clrMapOvr>
     <a:masterClrMapping/>
   </p:clrMapOvr>
-  <p:timing>
-    <p:tnLst>
-      <p:par>
-        <p:cTn id="1" dur="indefinite" restart="never" nodeType="tmRoot"/>
-      </p:par>
-    </p:tnLst>
-  </p:timing>
 </p:sld>
 </file>
 
-<file path=ppt/slides/slide3.xml><?xml version="1.0" encoding="utf-8"?>
+<file path=ppt/slides/slide6.xml><?xml version="1.0" encoding="utf-8"?>
 <p:sld xmlns:a="http://schemas.openxmlformats.org/drawingml/2006/main" xmlns:r="http://schemas.openxmlformats.org/officeDocument/2006/relationships" xmlns:p="http://schemas.openxmlformats.org/presentationml/2006/main">
   <p:cSld>
     <p:spTree>
@@ -5607,13 +6582,6 @@
   <p:clrMapOvr>
     <a:masterClrMapping/>
   </p:clrMapOvr>
-  <p:timing>
-    <p:tnLst>
-      <p:par>
-        <p:cTn id="1" dur="indefinite" restart="never" nodeType="tmRoot"/>
-      </p:par>
-    </p:tnLst>
-  </p:timing>
 </p:sld>
 </file>
 

--- a/Game_Project/ch1/작업용 PPT.pptx
+++ b/Game_Project/ch1/작업용 PPT.pptx
@@ -5,15 +5,12 @@
     <p:sldMasterId id="2147483648" r:id="rId1"/>
   </p:sldMasterIdLst>
   <p:notesMasterIdLst>
-    <p:notesMasterId r:id="rId8"/>
+    <p:notesMasterId r:id="rId5"/>
   </p:notesMasterIdLst>
   <p:sldIdLst>
     <p:sldId id="256" r:id="rId2"/>
-    <p:sldId id="260" r:id="rId3"/>
-    <p:sldId id="261" r:id="rId4"/>
-    <p:sldId id="259" r:id="rId5"/>
-    <p:sldId id="257" r:id="rId6"/>
-    <p:sldId id="258" r:id="rId7"/>
+    <p:sldId id="257" r:id="rId3"/>
+    <p:sldId id="258" r:id="rId4"/>
   </p:sldIdLst>
   <p:sldSz cx="9144000" cy="6858000" type="screen4x3"/>
   <p:notesSz cx="6858000" cy="9144000"/>
@@ -112,22 +109,6 @@
       </a:defRPr>
     </a:lvl9pPr>
   </p:defaultTextStyle>
-  <p:extLst>
-    <p:ext uri="{EFAFB233-063F-42B5-8137-9DF3F51BA10A}">
-      <p15:sldGuideLst xmlns:p15="http://schemas.microsoft.com/office/powerpoint/2012/main">
-        <p15:guide id="1" orient="horz" pos="2160">
-          <p15:clr>
-            <a:srgbClr val="A4A3A4"/>
-          </p15:clr>
-        </p15:guide>
-        <p15:guide id="2" pos="2880">
-          <p15:clr>
-            <a:srgbClr val="A4A3A4"/>
-          </p15:clr>
-        </p15:guide>
-      </p15:sldGuideLst>
-    </p:ext>
-  </p:extLst>
 </p:presentation>
 </file>
 
@@ -213,7 +194,7 @@
           <a:p>
             <a:fld id="{5817AA59-4BB8-4F81-8711-A4493DD09566}" type="datetimeFigureOut">
               <a:rPr lang="ko-KR" altLang="en-US" smtClean="0"/>
-              <a:t>2016-10-18</a:t>
+              <a:t>2016-10-16</a:t>
             </a:fld>
             <a:endParaRPr lang="ko-KR" altLang="en-US"/>
           </a:p>
@@ -277,37 +258,38 @@
           <a:p>
             <a:pPr lvl="0"/>
             <a:r>
-              <a:rPr lang="ko-KR" altLang="en-US"/>
+              <a:rPr lang="ko-KR" altLang="en-US" smtClean="0"/>
               <a:t>마스터 텍스트 스타일을 편집합니다</a:t>
             </a:r>
           </a:p>
           <a:p>
             <a:pPr lvl="1"/>
             <a:r>
-              <a:rPr lang="ko-KR" altLang="en-US"/>
+              <a:rPr lang="ko-KR" altLang="en-US" smtClean="0"/>
               <a:t>둘째 수준</a:t>
             </a:r>
           </a:p>
           <a:p>
             <a:pPr lvl="2"/>
             <a:r>
-              <a:rPr lang="ko-KR" altLang="en-US"/>
+              <a:rPr lang="ko-KR" altLang="en-US" smtClean="0"/>
               <a:t>셋째 수준</a:t>
             </a:r>
           </a:p>
           <a:p>
             <a:pPr lvl="3"/>
             <a:r>
-              <a:rPr lang="ko-KR" altLang="en-US"/>
+              <a:rPr lang="ko-KR" altLang="en-US" smtClean="0"/>
               <a:t>넷째 수준</a:t>
             </a:r>
           </a:p>
           <a:p>
             <a:pPr lvl="4"/>
             <a:r>
-              <a:rPr lang="ko-KR" altLang="en-US"/>
+              <a:rPr lang="ko-KR" altLang="en-US" smtClean="0"/>
               <a:t>다섯째 수준</a:t>
             </a:r>
+            <a:endParaRPr lang="ko-KR" altLang="en-US"/>
           </a:p>
         </p:txBody>
       </p:sp>
@@ -602,9 +584,10 @@
           <a:lstStyle/>
           <a:p>
             <a:r>
-              <a:rPr lang="ko-KR" altLang="en-US"/>
+              <a:rPr lang="ko-KR" altLang="en-US" smtClean="0"/>
               <a:t>마스터 제목 스타일 편집</a:t>
             </a:r>
+            <a:endParaRPr lang="ko-KR" altLang="en-US"/>
           </a:p>
         </p:txBody>
       </p:sp>
@@ -720,9 +703,10 @@
           </a:lstStyle>
           <a:p>
             <a:r>
-              <a:rPr lang="ko-KR" altLang="en-US"/>
+              <a:rPr lang="ko-KR" altLang="en-US" smtClean="0"/>
               <a:t>마스터 부제목 스타일 편집</a:t>
             </a:r>
+            <a:endParaRPr lang="ko-KR" altLang="en-US"/>
           </a:p>
         </p:txBody>
       </p:sp>
@@ -743,7 +727,7 @@
           <a:p>
             <a:fld id="{F4AE5A66-645D-48BB-B2B1-5B2CEA632C9D}" type="datetimeFigureOut">
               <a:rPr lang="ko-KR" altLang="en-US" smtClean="0"/>
-              <a:t>2016-10-18</a:t>
+              <a:t>2016-10-16</a:t>
             </a:fld>
             <a:endParaRPr lang="ko-KR" altLang="en-US"/>
           </a:p>
@@ -837,9 +821,10 @@
           <a:lstStyle/>
           <a:p>
             <a:r>
-              <a:rPr lang="ko-KR" altLang="en-US"/>
+              <a:rPr lang="ko-KR" altLang="en-US" smtClean="0"/>
               <a:t>마스터 제목 스타일 편집</a:t>
             </a:r>
+            <a:endParaRPr lang="ko-KR" altLang="en-US"/>
           </a:p>
         </p:txBody>
       </p:sp>
@@ -860,37 +845,38 @@
           <a:p>
             <a:pPr lvl="0"/>
             <a:r>
-              <a:rPr lang="ko-KR" altLang="en-US"/>
+              <a:rPr lang="ko-KR" altLang="en-US" smtClean="0"/>
               <a:t>마스터 텍스트 스타일을 편집합니다</a:t>
             </a:r>
           </a:p>
           <a:p>
             <a:pPr lvl="1"/>
             <a:r>
-              <a:rPr lang="ko-KR" altLang="en-US"/>
+              <a:rPr lang="ko-KR" altLang="en-US" smtClean="0"/>
               <a:t>둘째 수준</a:t>
             </a:r>
           </a:p>
           <a:p>
             <a:pPr lvl="2"/>
             <a:r>
-              <a:rPr lang="ko-KR" altLang="en-US"/>
+              <a:rPr lang="ko-KR" altLang="en-US" smtClean="0"/>
               <a:t>셋째 수준</a:t>
             </a:r>
           </a:p>
           <a:p>
             <a:pPr lvl="3"/>
             <a:r>
-              <a:rPr lang="ko-KR" altLang="en-US"/>
+              <a:rPr lang="ko-KR" altLang="en-US" smtClean="0"/>
               <a:t>넷째 수준</a:t>
             </a:r>
           </a:p>
           <a:p>
             <a:pPr lvl="4"/>
             <a:r>
-              <a:rPr lang="ko-KR" altLang="en-US"/>
+              <a:rPr lang="ko-KR" altLang="en-US" smtClean="0"/>
               <a:t>다섯째 수준</a:t>
             </a:r>
+            <a:endParaRPr lang="ko-KR" altLang="en-US"/>
           </a:p>
         </p:txBody>
       </p:sp>
@@ -911,7 +897,7 @@
           <a:p>
             <a:fld id="{F4AE5A66-645D-48BB-B2B1-5B2CEA632C9D}" type="datetimeFigureOut">
               <a:rPr lang="ko-KR" altLang="en-US" smtClean="0"/>
-              <a:t>2016-10-18</a:t>
+              <a:t>2016-10-16</a:t>
             </a:fld>
             <a:endParaRPr lang="ko-KR" altLang="en-US"/>
           </a:p>
@@ -1010,9 +996,10 @@
           <a:lstStyle/>
           <a:p>
             <a:r>
-              <a:rPr lang="ko-KR" altLang="en-US"/>
+              <a:rPr lang="ko-KR" altLang="en-US" smtClean="0"/>
               <a:t>마스터 제목 스타일 편집</a:t>
             </a:r>
+            <a:endParaRPr lang="ko-KR" altLang="en-US"/>
           </a:p>
         </p:txBody>
       </p:sp>
@@ -1038,37 +1025,38 @@
           <a:p>
             <a:pPr lvl="0"/>
             <a:r>
-              <a:rPr lang="ko-KR" altLang="en-US"/>
+              <a:rPr lang="ko-KR" altLang="en-US" smtClean="0"/>
               <a:t>마스터 텍스트 스타일을 편집합니다</a:t>
             </a:r>
           </a:p>
           <a:p>
             <a:pPr lvl="1"/>
             <a:r>
-              <a:rPr lang="ko-KR" altLang="en-US"/>
+              <a:rPr lang="ko-KR" altLang="en-US" smtClean="0"/>
               <a:t>둘째 수준</a:t>
             </a:r>
           </a:p>
           <a:p>
             <a:pPr lvl="2"/>
             <a:r>
-              <a:rPr lang="ko-KR" altLang="en-US"/>
+              <a:rPr lang="ko-KR" altLang="en-US" smtClean="0"/>
               <a:t>셋째 수준</a:t>
             </a:r>
           </a:p>
           <a:p>
             <a:pPr lvl="3"/>
             <a:r>
-              <a:rPr lang="ko-KR" altLang="en-US"/>
+              <a:rPr lang="ko-KR" altLang="en-US" smtClean="0"/>
               <a:t>넷째 수준</a:t>
             </a:r>
           </a:p>
           <a:p>
             <a:pPr lvl="4"/>
             <a:r>
-              <a:rPr lang="ko-KR" altLang="en-US"/>
+              <a:rPr lang="ko-KR" altLang="en-US" smtClean="0"/>
               <a:t>다섯째 수준</a:t>
             </a:r>
+            <a:endParaRPr lang="ko-KR" altLang="en-US"/>
           </a:p>
         </p:txBody>
       </p:sp>
@@ -1089,7 +1077,7 @@
           <a:p>
             <a:fld id="{F4AE5A66-645D-48BB-B2B1-5B2CEA632C9D}" type="datetimeFigureOut">
               <a:rPr lang="ko-KR" altLang="en-US" smtClean="0"/>
-              <a:t>2016-10-18</a:t>
+              <a:t>2016-10-16</a:t>
             </a:fld>
             <a:endParaRPr lang="ko-KR" altLang="en-US"/>
           </a:p>
@@ -1183,9 +1171,10 @@
           <a:lstStyle/>
           <a:p>
             <a:r>
-              <a:rPr lang="ko-KR" altLang="en-US"/>
+              <a:rPr lang="ko-KR" altLang="en-US" smtClean="0"/>
               <a:t>마스터 제목 스타일 편집</a:t>
             </a:r>
+            <a:endParaRPr lang="ko-KR" altLang="en-US"/>
           </a:p>
         </p:txBody>
       </p:sp>
@@ -1206,37 +1195,38 @@
           <a:p>
             <a:pPr lvl="0"/>
             <a:r>
-              <a:rPr lang="ko-KR" altLang="en-US"/>
+              <a:rPr lang="ko-KR" altLang="en-US" smtClean="0"/>
               <a:t>마스터 텍스트 스타일을 편집합니다</a:t>
             </a:r>
           </a:p>
           <a:p>
             <a:pPr lvl="1"/>
             <a:r>
-              <a:rPr lang="ko-KR" altLang="en-US"/>
+              <a:rPr lang="ko-KR" altLang="en-US" smtClean="0"/>
               <a:t>둘째 수준</a:t>
             </a:r>
           </a:p>
           <a:p>
             <a:pPr lvl="2"/>
             <a:r>
-              <a:rPr lang="ko-KR" altLang="en-US"/>
+              <a:rPr lang="ko-KR" altLang="en-US" smtClean="0"/>
               <a:t>셋째 수준</a:t>
             </a:r>
           </a:p>
           <a:p>
             <a:pPr lvl="3"/>
             <a:r>
-              <a:rPr lang="ko-KR" altLang="en-US"/>
+              <a:rPr lang="ko-KR" altLang="en-US" smtClean="0"/>
               <a:t>넷째 수준</a:t>
             </a:r>
           </a:p>
           <a:p>
             <a:pPr lvl="4"/>
             <a:r>
-              <a:rPr lang="ko-KR" altLang="en-US"/>
+              <a:rPr lang="ko-KR" altLang="en-US" smtClean="0"/>
               <a:t>다섯째 수준</a:t>
             </a:r>
+            <a:endParaRPr lang="ko-KR" altLang="en-US"/>
           </a:p>
         </p:txBody>
       </p:sp>
@@ -1257,7 +1247,7 @@
           <a:p>
             <a:fld id="{F4AE5A66-645D-48BB-B2B1-5B2CEA632C9D}" type="datetimeFigureOut">
               <a:rPr lang="ko-KR" altLang="en-US" smtClean="0"/>
-              <a:t>2016-10-18</a:t>
+              <a:t>2016-10-16</a:t>
             </a:fld>
             <a:endParaRPr lang="ko-KR" altLang="en-US"/>
           </a:p>
@@ -1360,9 +1350,10 @@
           </a:lstStyle>
           <a:p>
             <a:r>
-              <a:rPr lang="ko-KR" altLang="en-US"/>
+              <a:rPr lang="ko-KR" altLang="en-US" smtClean="0"/>
               <a:t>마스터 제목 스타일 편집</a:t>
             </a:r>
+            <a:endParaRPr lang="ko-KR" altLang="en-US"/>
           </a:p>
         </p:txBody>
       </p:sp>
@@ -1479,7 +1470,7 @@
           <a:p>
             <a:pPr lvl="0"/>
             <a:r>
-              <a:rPr lang="ko-KR" altLang="en-US"/>
+              <a:rPr lang="ko-KR" altLang="en-US" smtClean="0"/>
               <a:t>마스터 텍스트 스타일을 편집합니다</a:t>
             </a:r>
           </a:p>
@@ -1502,7 +1493,7 @@
           <a:p>
             <a:fld id="{F4AE5A66-645D-48BB-B2B1-5B2CEA632C9D}" type="datetimeFigureOut">
               <a:rPr lang="ko-KR" altLang="en-US" smtClean="0"/>
-              <a:t>2016-10-18</a:t>
+              <a:t>2016-10-16</a:t>
             </a:fld>
             <a:endParaRPr lang="ko-KR" altLang="en-US"/>
           </a:p>
@@ -1596,9 +1587,10 @@
           <a:lstStyle/>
           <a:p>
             <a:r>
-              <a:rPr lang="ko-KR" altLang="en-US"/>
+              <a:rPr lang="ko-KR" altLang="en-US" smtClean="0"/>
               <a:t>마스터 제목 스타일 편집</a:t>
             </a:r>
+            <a:endParaRPr lang="ko-KR" altLang="en-US"/>
           </a:p>
         </p:txBody>
       </p:sp>
@@ -1652,37 +1644,38 @@
           <a:p>
             <a:pPr lvl="0"/>
             <a:r>
-              <a:rPr lang="ko-KR" altLang="en-US"/>
+              <a:rPr lang="ko-KR" altLang="en-US" smtClean="0"/>
               <a:t>마스터 텍스트 스타일을 편집합니다</a:t>
             </a:r>
           </a:p>
           <a:p>
             <a:pPr lvl="1"/>
             <a:r>
-              <a:rPr lang="ko-KR" altLang="en-US"/>
+              <a:rPr lang="ko-KR" altLang="en-US" smtClean="0"/>
               <a:t>둘째 수준</a:t>
             </a:r>
           </a:p>
           <a:p>
             <a:pPr lvl="2"/>
             <a:r>
-              <a:rPr lang="ko-KR" altLang="en-US"/>
+              <a:rPr lang="ko-KR" altLang="en-US" smtClean="0"/>
               <a:t>셋째 수준</a:t>
             </a:r>
           </a:p>
           <a:p>
             <a:pPr lvl="3"/>
             <a:r>
-              <a:rPr lang="ko-KR" altLang="en-US"/>
+              <a:rPr lang="ko-KR" altLang="en-US" smtClean="0"/>
               <a:t>넷째 수준</a:t>
             </a:r>
           </a:p>
           <a:p>
             <a:pPr lvl="4"/>
             <a:r>
-              <a:rPr lang="ko-KR" altLang="en-US"/>
+              <a:rPr lang="ko-KR" altLang="en-US" smtClean="0"/>
               <a:t>다섯째 수준</a:t>
             </a:r>
+            <a:endParaRPr lang="ko-KR" altLang="en-US"/>
           </a:p>
         </p:txBody>
       </p:sp>
@@ -1736,37 +1729,38 @@
           <a:p>
             <a:pPr lvl="0"/>
             <a:r>
-              <a:rPr lang="ko-KR" altLang="en-US"/>
+              <a:rPr lang="ko-KR" altLang="en-US" smtClean="0"/>
               <a:t>마스터 텍스트 스타일을 편집합니다</a:t>
             </a:r>
           </a:p>
           <a:p>
             <a:pPr lvl="1"/>
             <a:r>
-              <a:rPr lang="ko-KR" altLang="en-US"/>
+              <a:rPr lang="ko-KR" altLang="en-US" smtClean="0"/>
               <a:t>둘째 수준</a:t>
             </a:r>
           </a:p>
           <a:p>
             <a:pPr lvl="2"/>
             <a:r>
-              <a:rPr lang="ko-KR" altLang="en-US"/>
+              <a:rPr lang="ko-KR" altLang="en-US" smtClean="0"/>
               <a:t>셋째 수준</a:t>
             </a:r>
           </a:p>
           <a:p>
             <a:pPr lvl="3"/>
             <a:r>
-              <a:rPr lang="ko-KR" altLang="en-US"/>
+              <a:rPr lang="ko-KR" altLang="en-US" smtClean="0"/>
               <a:t>넷째 수준</a:t>
             </a:r>
           </a:p>
           <a:p>
             <a:pPr lvl="4"/>
             <a:r>
-              <a:rPr lang="ko-KR" altLang="en-US"/>
+              <a:rPr lang="ko-KR" altLang="en-US" smtClean="0"/>
               <a:t>다섯째 수준</a:t>
             </a:r>
+            <a:endParaRPr lang="ko-KR" altLang="en-US"/>
           </a:p>
         </p:txBody>
       </p:sp>
@@ -1787,7 +1781,7 @@
           <a:p>
             <a:fld id="{F4AE5A66-645D-48BB-B2B1-5B2CEA632C9D}" type="datetimeFigureOut">
               <a:rPr lang="ko-KR" altLang="en-US" smtClean="0"/>
-              <a:t>2016-10-18</a:t>
+              <a:t>2016-10-16</a:t>
             </a:fld>
             <a:endParaRPr lang="ko-KR" altLang="en-US"/>
           </a:p>
@@ -1885,9 +1879,10 @@
           </a:lstStyle>
           <a:p>
             <a:r>
-              <a:rPr lang="ko-KR" altLang="en-US"/>
+              <a:rPr lang="ko-KR" altLang="en-US" smtClean="0"/>
               <a:t>마스터 제목 스타일 편집</a:t>
             </a:r>
+            <a:endParaRPr lang="ko-KR" altLang="en-US"/>
           </a:p>
         </p:txBody>
       </p:sp>
@@ -1950,7 +1945,7 @@
           <a:p>
             <a:pPr lvl="0"/>
             <a:r>
-              <a:rPr lang="ko-KR" altLang="en-US"/>
+              <a:rPr lang="ko-KR" altLang="en-US" smtClean="0"/>
               <a:t>마스터 텍스트 스타일을 편집합니다</a:t>
             </a:r>
           </a:p>
@@ -2006,37 +2001,38 @@
           <a:p>
             <a:pPr lvl="0"/>
             <a:r>
-              <a:rPr lang="ko-KR" altLang="en-US"/>
+              <a:rPr lang="ko-KR" altLang="en-US" smtClean="0"/>
               <a:t>마스터 텍스트 스타일을 편집합니다</a:t>
             </a:r>
           </a:p>
           <a:p>
             <a:pPr lvl="1"/>
             <a:r>
-              <a:rPr lang="ko-KR" altLang="en-US"/>
+              <a:rPr lang="ko-KR" altLang="en-US" smtClean="0"/>
               <a:t>둘째 수준</a:t>
             </a:r>
           </a:p>
           <a:p>
             <a:pPr lvl="2"/>
             <a:r>
-              <a:rPr lang="ko-KR" altLang="en-US"/>
+              <a:rPr lang="ko-KR" altLang="en-US" smtClean="0"/>
               <a:t>셋째 수준</a:t>
             </a:r>
           </a:p>
           <a:p>
             <a:pPr lvl="3"/>
             <a:r>
-              <a:rPr lang="ko-KR" altLang="en-US"/>
+              <a:rPr lang="ko-KR" altLang="en-US" smtClean="0"/>
               <a:t>넷째 수준</a:t>
             </a:r>
           </a:p>
           <a:p>
             <a:pPr lvl="4"/>
             <a:r>
-              <a:rPr lang="ko-KR" altLang="en-US"/>
+              <a:rPr lang="ko-KR" altLang="en-US" smtClean="0"/>
               <a:t>다섯째 수준</a:t>
             </a:r>
+            <a:endParaRPr lang="ko-KR" altLang="en-US"/>
           </a:p>
         </p:txBody>
       </p:sp>
@@ -2099,7 +2095,7 @@
           <a:p>
             <a:pPr lvl="0"/>
             <a:r>
-              <a:rPr lang="ko-KR" altLang="en-US"/>
+              <a:rPr lang="ko-KR" altLang="en-US" smtClean="0"/>
               <a:t>마스터 텍스트 스타일을 편집합니다</a:t>
             </a:r>
           </a:p>
@@ -2155,37 +2151,38 @@
           <a:p>
             <a:pPr lvl="0"/>
             <a:r>
-              <a:rPr lang="ko-KR" altLang="en-US"/>
+              <a:rPr lang="ko-KR" altLang="en-US" smtClean="0"/>
               <a:t>마스터 텍스트 스타일을 편집합니다</a:t>
             </a:r>
           </a:p>
           <a:p>
             <a:pPr lvl="1"/>
             <a:r>
-              <a:rPr lang="ko-KR" altLang="en-US"/>
+              <a:rPr lang="ko-KR" altLang="en-US" smtClean="0"/>
               <a:t>둘째 수준</a:t>
             </a:r>
           </a:p>
           <a:p>
             <a:pPr lvl="2"/>
             <a:r>
-              <a:rPr lang="ko-KR" altLang="en-US"/>
+              <a:rPr lang="ko-KR" altLang="en-US" smtClean="0"/>
               <a:t>셋째 수준</a:t>
             </a:r>
           </a:p>
           <a:p>
             <a:pPr lvl="3"/>
             <a:r>
-              <a:rPr lang="ko-KR" altLang="en-US"/>
+              <a:rPr lang="ko-KR" altLang="en-US" smtClean="0"/>
               <a:t>넷째 수준</a:t>
             </a:r>
           </a:p>
           <a:p>
             <a:pPr lvl="4"/>
             <a:r>
-              <a:rPr lang="ko-KR" altLang="en-US"/>
+              <a:rPr lang="ko-KR" altLang="en-US" smtClean="0"/>
               <a:t>다섯째 수준</a:t>
             </a:r>
+            <a:endParaRPr lang="ko-KR" altLang="en-US"/>
           </a:p>
         </p:txBody>
       </p:sp>
@@ -2206,7 +2203,7 @@
           <a:p>
             <a:fld id="{F4AE5A66-645D-48BB-B2B1-5B2CEA632C9D}" type="datetimeFigureOut">
               <a:rPr lang="ko-KR" altLang="en-US" smtClean="0"/>
-              <a:t>2016-10-18</a:t>
+              <a:t>2016-10-16</a:t>
             </a:fld>
             <a:endParaRPr lang="ko-KR" altLang="en-US"/>
           </a:p>
@@ -2300,9 +2297,10 @@
           <a:lstStyle/>
           <a:p>
             <a:r>
-              <a:rPr lang="ko-KR" altLang="en-US"/>
+              <a:rPr lang="ko-KR" altLang="en-US" smtClean="0"/>
               <a:t>마스터 제목 스타일 편집</a:t>
             </a:r>
+            <a:endParaRPr lang="ko-KR" altLang="en-US"/>
           </a:p>
         </p:txBody>
       </p:sp>
@@ -2323,7 +2321,7 @@
           <a:p>
             <a:fld id="{F4AE5A66-645D-48BB-B2B1-5B2CEA632C9D}" type="datetimeFigureOut">
               <a:rPr lang="ko-KR" altLang="en-US" smtClean="0"/>
-              <a:t>2016-10-18</a:t>
+              <a:t>2016-10-16</a:t>
             </a:fld>
             <a:endParaRPr lang="ko-KR" altLang="en-US"/>
           </a:p>
@@ -2418,7 +2416,7 @@
           <a:p>
             <a:fld id="{F4AE5A66-645D-48BB-B2B1-5B2CEA632C9D}" type="datetimeFigureOut">
               <a:rPr lang="ko-KR" altLang="en-US" smtClean="0"/>
-              <a:t>2016-10-18</a:t>
+              <a:t>2016-10-16</a:t>
             </a:fld>
             <a:endParaRPr lang="ko-KR" altLang="en-US"/>
           </a:p>
@@ -2521,9 +2519,10 @@
           </a:lstStyle>
           <a:p>
             <a:r>
-              <a:rPr lang="ko-KR" altLang="en-US"/>
+              <a:rPr lang="ko-KR" altLang="en-US" smtClean="0"/>
               <a:t>마스터 제목 스타일 편집</a:t>
             </a:r>
+            <a:endParaRPr lang="ko-KR" altLang="en-US"/>
           </a:p>
         </p:txBody>
       </p:sp>
@@ -2577,37 +2576,38 @@
           <a:p>
             <a:pPr lvl="0"/>
             <a:r>
-              <a:rPr lang="ko-KR" altLang="en-US"/>
+              <a:rPr lang="ko-KR" altLang="en-US" smtClean="0"/>
               <a:t>마스터 텍스트 스타일을 편집합니다</a:t>
             </a:r>
           </a:p>
           <a:p>
             <a:pPr lvl="1"/>
             <a:r>
-              <a:rPr lang="ko-KR" altLang="en-US"/>
+              <a:rPr lang="ko-KR" altLang="en-US" smtClean="0"/>
               <a:t>둘째 수준</a:t>
             </a:r>
           </a:p>
           <a:p>
             <a:pPr lvl="2"/>
             <a:r>
-              <a:rPr lang="ko-KR" altLang="en-US"/>
+              <a:rPr lang="ko-KR" altLang="en-US" smtClean="0"/>
               <a:t>셋째 수준</a:t>
             </a:r>
           </a:p>
           <a:p>
             <a:pPr lvl="3"/>
             <a:r>
-              <a:rPr lang="ko-KR" altLang="en-US"/>
+              <a:rPr lang="ko-KR" altLang="en-US" smtClean="0"/>
               <a:t>넷째 수준</a:t>
             </a:r>
           </a:p>
           <a:p>
             <a:pPr lvl="4"/>
             <a:r>
-              <a:rPr lang="ko-KR" altLang="en-US"/>
+              <a:rPr lang="ko-KR" altLang="en-US" smtClean="0"/>
               <a:t>다섯째 수준</a:t>
             </a:r>
+            <a:endParaRPr lang="ko-KR" altLang="en-US"/>
           </a:p>
         </p:txBody>
       </p:sp>
@@ -2670,7 +2670,7 @@
           <a:p>
             <a:pPr lvl="0"/>
             <a:r>
-              <a:rPr lang="ko-KR" altLang="en-US"/>
+              <a:rPr lang="ko-KR" altLang="en-US" smtClean="0"/>
               <a:t>마스터 텍스트 스타일을 편집합니다</a:t>
             </a:r>
           </a:p>
@@ -2693,7 +2693,7 @@
           <a:p>
             <a:fld id="{F4AE5A66-645D-48BB-B2B1-5B2CEA632C9D}" type="datetimeFigureOut">
               <a:rPr lang="ko-KR" altLang="en-US" smtClean="0"/>
-              <a:t>2016-10-18</a:t>
+              <a:t>2016-10-16</a:t>
             </a:fld>
             <a:endParaRPr lang="ko-KR" altLang="en-US"/>
           </a:p>
@@ -2796,9 +2796,10 @@
           </a:lstStyle>
           <a:p>
             <a:r>
-              <a:rPr lang="ko-KR" altLang="en-US"/>
+              <a:rPr lang="ko-KR" altLang="en-US" smtClean="0"/>
               <a:t>마스터 제목 스타일 편집</a:t>
             </a:r>
+            <a:endParaRPr lang="ko-KR" altLang="en-US"/>
           </a:p>
         </p:txBody>
       </p:sp>
@@ -2922,7 +2923,7 @@
           <a:p>
             <a:pPr lvl="0"/>
             <a:r>
-              <a:rPr lang="ko-KR" altLang="en-US"/>
+              <a:rPr lang="ko-KR" altLang="en-US" smtClean="0"/>
               <a:t>마스터 텍스트 스타일을 편집합니다</a:t>
             </a:r>
           </a:p>
@@ -2945,7 +2946,7 @@
           <a:p>
             <a:fld id="{F4AE5A66-645D-48BB-B2B1-5B2CEA632C9D}" type="datetimeFigureOut">
               <a:rPr lang="ko-KR" altLang="en-US" smtClean="0"/>
-              <a:t>2016-10-18</a:t>
+              <a:t>2016-10-16</a:t>
             </a:fld>
             <a:endParaRPr lang="ko-KR" altLang="en-US"/>
           </a:p>
@@ -3054,9 +3055,10 @@
           <a:lstStyle/>
           <a:p>
             <a:r>
-              <a:rPr lang="ko-KR" altLang="en-US"/>
+              <a:rPr lang="ko-KR" altLang="en-US" smtClean="0"/>
               <a:t>마스터 제목 스타일 편집</a:t>
             </a:r>
+            <a:endParaRPr lang="ko-KR" altLang="en-US"/>
           </a:p>
         </p:txBody>
       </p:sp>
@@ -3087,37 +3089,38 @@
           <a:p>
             <a:pPr lvl="0"/>
             <a:r>
-              <a:rPr lang="ko-KR" altLang="en-US"/>
+              <a:rPr lang="ko-KR" altLang="en-US" smtClean="0"/>
               <a:t>마스터 텍스트 스타일을 편집합니다</a:t>
             </a:r>
           </a:p>
           <a:p>
             <a:pPr lvl="1"/>
             <a:r>
-              <a:rPr lang="ko-KR" altLang="en-US"/>
+              <a:rPr lang="ko-KR" altLang="en-US" smtClean="0"/>
               <a:t>둘째 수준</a:t>
             </a:r>
           </a:p>
           <a:p>
             <a:pPr lvl="2"/>
             <a:r>
-              <a:rPr lang="ko-KR" altLang="en-US"/>
+              <a:rPr lang="ko-KR" altLang="en-US" smtClean="0"/>
               <a:t>셋째 수준</a:t>
             </a:r>
           </a:p>
           <a:p>
             <a:pPr lvl="3"/>
             <a:r>
-              <a:rPr lang="ko-KR" altLang="en-US"/>
+              <a:rPr lang="ko-KR" altLang="en-US" smtClean="0"/>
               <a:t>넷째 수준</a:t>
             </a:r>
           </a:p>
           <a:p>
             <a:pPr lvl="4"/>
             <a:r>
-              <a:rPr lang="ko-KR" altLang="en-US"/>
+              <a:rPr lang="ko-KR" altLang="en-US" smtClean="0"/>
               <a:t>다섯째 수준</a:t>
             </a:r>
+            <a:endParaRPr lang="ko-KR" altLang="en-US"/>
           </a:p>
         </p:txBody>
       </p:sp>
@@ -3156,7 +3159,7 @@
           <a:p>
             <a:fld id="{F4AE5A66-645D-48BB-B2B1-5B2CEA632C9D}" type="datetimeFigureOut">
               <a:rPr lang="ko-KR" altLang="en-US" smtClean="0"/>
-              <a:t>2016-10-18</a:t>
+              <a:t>2016-10-16</a:t>
             </a:fld>
             <a:endParaRPr lang="ko-KR" altLang="en-US"/>
           </a:p>
@@ -4165,361 +4168,6 @@
           </a:extLst>
         </p:spPr>
       </p:pic>
-      <p:pic>
-        <p:nvPicPr>
-          <p:cNvPr id="8" name="그림 7"/>
-          <p:cNvPicPr>
-            <a:picLocks noChangeAspect="1"/>
-          </p:cNvPicPr>
-          <p:nvPr/>
-        </p:nvPicPr>
-        <p:blipFill>
-          <a:blip r:embed="rId8">
-            <a:extLst>
-              <a:ext uri="{BEBA8EAE-BF5A-486C-A8C5-ECC9F3942E4B}">
-                <a14:imgProps xmlns:a14="http://schemas.microsoft.com/office/drawing/2010/main">
-                  <a14:imgLayer r:embed="rId9">
-                    <a14:imgEffect>
-                      <a14:backgroundRemoval t="0" b="100000" l="0" r="100000"/>
-                    </a14:imgEffect>
-                  </a14:imgLayer>
-                </a14:imgProps>
-              </a:ext>
-              <a:ext uri="{28A0092B-C50C-407E-A947-70E740481C1C}">
-                <a14:useLocalDpi xmlns:a14="http://schemas.microsoft.com/office/drawing/2010/main" val="0"/>
-              </a:ext>
-            </a:extLst>
-          </a:blip>
-          <a:stretch>
-            <a:fillRect/>
-          </a:stretch>
-        </p:blipFill>
-        <p:spPr>
-          <a:xfrm>
-            <a:off x="948065" y="1951135"/>
-            <a:ext cx="476190" cy="323810"/>
-          </a:xfrm>
-          <a:prstGeom prst="rect">
-            <a:avLst/>
-          </a:prstGeom>
-        </p:spPr>
-      </p:pic>
-      <p:pic>
-        <p:nvPicPr>
-          <p:cNvPr id="14" name="그림 13"/>
-          <p:cNvPicPr>
-            <a:picLocks noChangeAspect="1"/>
-          </p:cNvPicPr>
-          <p:nvPr/>
-        </p:nvPicPr>
-        <p:blipFill>
-          <a:blip r:embed="rId10">
-            <a:extLst>
-              <a:ext uri="{BEBA8EAE-BF5A-486C-A8C5-ECC9F3942E4B}">
-                <a14:imgProps xmlns:a14="http://schemas.microsoft.com/office/drawing/2010/main">
-                  <a14:imgLayer r:embed="rId11">
-                    <a14:imgEffect>
-                      <a14:backgroundRemoval t="0" b="100000" l="0" r="100000"/>
-                    </a14:imgEffect>
-                  </a14:imgLayer>
-                </a14:imgProps>
-              </a:ext>
-              <a:ext uri="{28A0092B-C50C-407E-A947-70E740481C1C}">
-                <a14:useLocalDpi xmlns:a14="http://schemas.microsoft.com/office/drawing/2010/main" val="0"/>
-              </a:ext>
-            </a:extLst>
-          </a:blip>
-          <a:stretch>
-            <a:fillRect/>
-          </a:stretch>
-        </p:blipFill>
-        <p:spPr>
-          <a:xfrm>
-            <a:off x="235664" y="1840828"/>
-            <a:ext cx="476190" cy="304762"/>
-          </a:xfrm>
-          <a:prstGeom prst="rect">
-            <a:avLst/>
-          </a:prstGeom>
-        </p:spPr>
-      </p:pic>
-      <p:pic>
-        <p:nvPicPr>
-          <p:cNvPr id="15" name="그림 14"/>
-          <p:cNvPicPr>
-            <a:picLocks noChangeAspect="1"/>
-          </p:cNvPicPr>
-          <p:nvPr/>
-        </p:nvPicPr>
-        <p:blipFill>
-          <a:blip r:embed="rId12">
-            <a:extLst>
-              <a:ext uri="{BEBA8EAE-BF5A-486C-A8C5-ECC9F3942E4B}">
-                <a14:imgProps xmlns:a14="http://schemas.microsoft.com/office/drawing/2010/main">
-                  <a14:imgLayer r:embed="rId13">
-                    <a14:imgEffect>
-                      <a14:backgroundRemoval t="0" b="100000" l="0" r="100000"/>
-                    </a14:imgEffect>
-                  </a14:imgLayer>
-                </a14:imgProps>
-              </a:ext>
-              <a:ext uri="{28A0092B-C50C-407E-A947-70E740481C1C}">
-                <a14:useLocalDpi xmlns:a14="http://schemas.microsoft.com/office/drawing/2010/main" val="0"/>
-              </a:ext>
-            </a:extLst>
-          </a:blip>
-          <a:stretch>
-            <a:fillRect/>
-          </a:stretch>
-        </p:blipFill>
-        <p:spPr>
-          <a:xfrm>
-            <a:off x="2169567" y="2035195"/>
-            <a:ext cx="476190" cy="323810"/>
-          </a:xfrm>
-          <a:prstGeom prst="rect">
-            <a:avLst/>
-          </a:prstGeom>
-        </p:spPr>
-      </p:pic>
-      <p:pic>
-        <p:nvPicPr>
-          <p:cNvPr id="13" name="그림 12"/>
-          <p:cNvPicPr>
-            <a:picLocks noChangeAspect="1"/>
-          </p:cNvPicPr>
-          <p:nvPr/>
-        </p:nvPicPr>
-        <p:blipFill>
-          <a:blip r:embed="rId14">
-            <a:extLst>
-              <a:ext uri="{28A0092B-C50C-407E-A947-70E740481C1C}">
-                <a14:useLocalDpi xmlns:a14="http://schemas.microsoft.com/office/drawing/2010/main" val="0"/>
-              </a:ext>
-            </a:extLst>
-          </a:blip>
-          <a:stretch>
-            <a:fillRect/>
-          </a:stretch>
-        </p:blipFill>
-        <p:spPr>
-          <a:xfrm>
-            <a:off x="-23526" y="1494748"/>
-            <a:ext cx="9144000" cy="128588"/>
-          </a:xfrm>
-          <a:prstGeom prst="rect">
-            <a:avLst/>
-          </a:prstGeom>
-        </p:spPr>
-      </p:pic>
-      <p:pic>
-        <p:nvPicPr>
-          <p:cNvPr id="22" name="그림 21"/>
-          <p:cNvPicPr>
-            <a:picLocks noChangeAspect="1"/>
-          </p:cNvPicPr>
-          <p:nvPr/>
-        </p:nvPicPr>
-        <p:blipFill>
-          <a:blip r:embed="rId14">
-            <a:biLevel thresh="25000"/>
-            <a:extLst>
-              <a:ext uri="{28A0092B-C50C-407E-A947-70E740481C1C}">
-                <a14:useLocalDpi xmlns:a14="http://schemas.microsoft.com/office/drawing/2010/main" val="0"/>
-              </a:ext>
-            </a:extLst>
-          </a:blip>
-          <a:stretch>
-            <a:fillRect/>
-          </a:stretch>
-        </p:blipFill>
-        <p:spPr>
-          <a:xfrm>
-            <a:off x="-23526" y="1820169"/>
-            <a:ext cx="9144000" cy="128588"/>
-          </a:xfrm>
-          <a:prstGeom prst="rect">
-            <a:avLst/>
-          </a:prstGeom>
-        </p:spPr>
-      </p:pic>
-      <p:pic>
-        <p:nvPicPr>
-          <p:cNvPr id="17" name="그림 16"/>
-          <p:cNvPicPr>
-            <a:picLocks noChangeAspect="1"/>
-          </p:cNvPicPr>
-          <p:nvPr/>
-        </p:nvPicPr>
-        <p:blipFill>
-          <a:blip r:embed="rId15" cstate="print">
-            <a:extLst>
-              <a:ext uri="{28A0092B-C50C-407E-A947-70E740481C1C}">
-                <a14:useLocalDpi xmlns:a14="http://schemas.microsoft.com/office/drawing/2010/main" val="0"/>
-              </a:ext>
-            </a:extLst>
-          </a:blip>
-          <a:stretch>
-            <a:fillRect/>
-          </a:stretch>
-        </p:blipFill>
-        <p:spPr>
-          <a:xfrm>
-            <a:off x="8466352" y="2711409"/>
-            <a:ext cx="691685" cy="615600"/>
-          </a:xfrm>
-          <a:prstGeom prst="rect">
-            <a:avLst/>
-          </a:prstGeom>
-        </p:spPr>
-      </p:pic>
-      <p:pic>
-        <p:nvPicPr>
-          <p:cNvPr id="18" name="그림 17"/>
-          <p:cNvPicPr>
-            <a:picLocks/>
-          </p:cNvPicPr>
-          <p:nvPr/>
-        </p:nvPicPr>
-        <p:blipFill>
-          <a:blip r:embed="rId16">
-            <a:extLst>
-              <a:ext uri="{BEBA8EAE-BF5A-486C-A8C5-ECC9F3942E4B}">
-                <a14:imgProps xmlns:a14="http://schemas.microsoft.com/office/drawing/2010/main">
-                  <a14:imgLayer r:embed="rId17">
-                    <a14:imgEffect>
-                      <a14:brightnessContrast bright="-4000" contrast="73000"/>
-                    </a14:imgEffect>
-                  </a14:imgLayer>
-                </a14:imgProps>
-              </a:ext>
-              <a:ext uri="{28A0092B-C50C-407E-A947-70E740481C1C}">
-                <a14:useLocalDpi xmlns:a14="http://schemas.microsoft.com/office/drawing/2010/main" val="0"/>
-              </a:ext>
-            </a:extLst>
-          </a:blip>
-          <a:stretch>
-            <a:fillRect/>
-          </a:stretch>
-        </p:blipFill>
-        <p:spPr>
-          <a:xfrm>
-            <a:off x="1913269" y="5170698"/>
-            <a:ext cx="198000" cy="144000"/>
-          </a:xfrm>
-          <a:prstGeom prst="rect">
-            <a:avLst/>
-          </a:prstGeom>
-        </p:spPr>
-      </p:pic>
-      <p:pic>
-        <p:nvPicPr>
-          <p:cNvPr id="19" name="그림 18"/>
-          <p:cNvPicPr>
-            <a:picLocks/>
-          </p:cNvPicPr>
-          <p:nvPr/>
-        </p:nvPicPr>
-        <p:blipFill>
-          <a:blip r:embed="rId18">
-            <a:extLst>
-              <a:ext uri="{BEBA8EAE-BF5A-486C-A8C5-ECC9F3942E4B}">
-                <a14:imgProps xmlns:a14="http://schemas.microsoft.com/office/drawing/2010/main">
-                  <a14:imgLayer r:embed="rId19">
-                    <a14:imgEffect>
-                      <a14:brightnessContrast bright="-17000" contrast="65000"/>
-                    </a14:imgEffect>
-                  </a14:imgLayer>
-                </a14:imgProps>
-              </a:ext>
-              <a:ext uri="{28A0092B-C50C-407E-A947-70E740481C1C}">
-                <a14:useLocalDpi xmlns:a14="http://schemas.microsoft.com/office/drawing/2010/main" val="0"/>
-              </a:ext>
-            </a:extLst>
-          </a:blip>
-          <a:stretch>
-            <a:fillRect/>
-          </a:stretch>
-        </p:blipFill>
-        <p:spPr>
-          <a:xfrm>
-            <a:off x="1913269" y="4927563"/>
-            <a:ext cx="198000" cy="144000"/>
-          </a:xfrm>
-          <a:prstGeom prst="rect">
-            <a:avLst/>
-          </a:prstGeom>
-        </p:spPr>
-      </p:pic>
-      <p:pic>
-        <p:nvPicPr>
-          <p:cNvPr id="20" name="그림 19"/>
-          <p:cNvPicPr>
-            <a:picLocks/>
-          </p:cNvPicPr>
-          <p:nvPr/>
-        </p:nvPicPr>
-        <p:blipFill>
-          <a:blip r:embed="rId20">
-            <a:extLst>
-              <a:ext uri="{BEBA8EAE-BF5A-486C-A8C5-ECC9F3942E4B}">
-                <a14:imgProps xmlns:a14="http://schemas.microsoft.com/office/drawing/2010/main">
-                  <a14:imgLayer r:embed="rId21">
-                    <a14:imgEffect>
-                      <a14:brightnessContrast bright="-18000" contrast="48000"/>
-                    </a14:imgEffect>
-                  </a14:imgLayer>
-                </a14:imgProps>
-              </a:ext>
-              <a:ext uri="{28A0092B-C50C-407E-A947-70E740481C1C}">
-                <a14:useLocalDpi xmlns:a14="http://schemas.microsoft.com/office/drawing/2010/main" val="0"/>
-              </a:ext>
-            </a:extLst>
-          </a:blip>
-          <a:stretch>
-            <a:fillRect/>
-          </a:stretch>
-        </p:blipFill>
-        <p:spPr>
-          <a:xfrm>
-            <a:off x="1910060" y="4684428"/>
-            <a:ext cx="198000" cy="144000"/>
-          </a:xfrm>
-          <a:prstGeom prst="rect">
-            <a:avLst/>
-          </a:prstGeom>
-        </p:spPr>
-      </p:pic>
-      <p:pic>
-        <p:nvPicPr>
-          <p:cNvPr id="23" name="그림 22"/>
-          <p:cNvPicPr>
-            <a:picLocks noChangeAspect="1"/>
-          </p:cNvPicPr>
-          <p:nvPr/>
-        </p:nvPicPr>
-        <p:blipFill>
-          <a:blip r:embed="rId22">
-            <a:extLst>
-              <a:ext uri="{28A0092B-C50C-407E-A947-70E740481C1C}">
-                <a14:useLocalDpi xmlns:a14="http://schemas.microsoft.com/office/drawing/2010/main" val="0"/>
-              </a:ext>
-            </a:extLst>
-          </a:blip>
-          <a:stretch>
-            <a:fillRect/>
-          </a:stretch>
-        </p:blipFill>
-        <p:spPr>
-          <a:xfrm>
-            <a:off x="6619106" y="2197100"/>
-            <a:ext cx="4572000" cy="4572000"/>
-          </a:xfrm>
-          <a:prstGeom prst="rect">
-            <a:avLst/>
-          </a:prstGeom>
-        </p:spPr>
-      </p:pic>
     </p:spTree>
     <p:extLst>
       <p:ext uri="{BB962C8B-B14F-4D97-AF65-F5344CB8AC3E}">
@@ -4530,647 +4178,17 @@
   <p:clrMapOvr>
     <a:masterClrMapping/>
   </p:clrMapOvr>
+  <p:timing>
+    <p:tnLst>
+      <p:par>
+        <p:cTn id="1" dur="indefinite" restart="never" nodeType="tmRoot"/>
+      </p:par>
+    </p:tnLst>
+  </p:timing>
 </p:sld>
 </file>
 
 <file path=ppt/slides/slide2.xml><?xml version="1.0" encoding="utf-8"?>
-<p:sld xmlns:a="http://schemas.openxmlformats.org/drawingml/2006/main" xmlns:r="http://schemas.openxmlformats.org/officeDocument/2006/relationships" xmlns:p="http://schemas.openxmlformats.org/presentationml/2006/main">
-  <p:cSld>
-    <p:spTree>
-      <p:nvGrpSpPr>
-        <p:cNvPr id="1" name=""/>
-        <p:cNvGrpSpPr/>
-        <p:nvPr/>
-      </p:nvGrpSpPr>
-      <p:grpSpPr>
-        <a:xfrm>
-          <a:off x="0" y="0"/>
-          <a:ext cx="0" cy="0"/>
-          <a:chOff x="0" y="0"/>
-          <a:chExt cx="0" cy="0"/>
-        </a:xfrm>
-      </p:grpSpPr>
-      <p:pic>
-        <p:nvPicPr>
-          <p:cNvPr id="5" name="그림 4"/>
-          <p:cNvPicPr>
-            <a:picLocks noChangeAspect="1"/>
-          </p:cNvPicPr>
-          <p:nvPr/>
-        </p:nvPicPr>
-        <p:blipFill>
-          <a:blip r:embed="rId2">
-            <a:extLst>
-              <a:ext uri="{28A0092B-C50C-407E-A947-70E740481C1C}">
-                <a14:useLocalDpi xmlns:a14="http://schemas.microsoft.com/office/drawing/2010/main" val="0"/>
-              </a:ext>
-            </a:extLst>
-          </a:blip>
-          <a:stretch>
-            <a:fillRect/>
-          </a:stretch>
-        </p:blipFill>
-        <p:spPr>
-          <a:xfrm>
-            <a:off x="2398812" y="588867"/>
-            <a:ext cx="1592169" cy="2080800"/>
-          </a:xfrm>
-          <a:prstGeom prst="rect">
-            <a:avLst/>
-          </a:prstGeom>
-        </p:spPr>
-      </p:pic>
-      <p:pic>
-        <p:nvPicPr>
-          <p:cNvPr id="6" name="그림 5"/>
-          <p:cNvPicPr>
-            <a:picLocks noChangeAspect="1"/>
-          </p:cNvPicPr>
-          <p:nvPr/>
-        </p:nvPicPr>
-        <p:blipFill>
-          <a:blip r:embed="rId3">
-            <a:extLst>
-              <a:ext uri="{BEBA8EAE-BF5A-486C-A8C5-ECC9F3942E4B}">
-                <a14:imgProps xmlns:a14="http://schemas.microsoft.com/office/drawing/2010/main">
-                  <a14:imgLayer r:embed="rId4">
-                    <a14:imgEffect>
-                      <a14:backgroundRemoval t="0" b="100000" l="0" r="96552">
-                        <a14:foregroundMark x1="15172" y1="4737" x2="17241" y2="21579"/>
-                        <a14:foregroundMark x1="17241" y1="31053" x2="17241" y2="47895"/>
-                        <a14:foregroundMark x1="14483" y1="55263" x2="17241" y2="73684"/>
-                        <a14:foregroundMark x1="22069" y1="82632" x2="14483" y2="99474"/>
-                        <a14:foregroundMark x1="46897" y1="8421" x2="51724" y2="23684"/>
-                        <a14:foregroundMark x1="44828" y1="21053" x2="40000" y2="21053"/>
-                        <a14:foregroundMark x1="52414" y1="17368" x2="52414" y2="17368"/>
-                        <a14:foregroundMark x1="58621" y1="21053" x2="58621" y2="21053"/>
-                        <a14:foregroundMark x1="48966" y1="29474" x2="47586" y2="48947"/>
-                        <a14:foregroundMark x1="48966" y1="55263" x2="48966" y2="73684"/>
-                        <a14:foregroundMark x1="83448" y1="6316" x2="81379" y2="23158"/>
-                        <a14:foregroundMark x1="83448" y1="29474" x2="79310" y2="47895"/>
-                        <a14:foregroundMark x1="84138" y1="58421" x2="84138" y2="72105"/>
-                        <a14:foregroundMark x1="84138" y1="80000" x2="83448" y2="99474"/>
-                      </a14:backgroundRemoval>
-                    </a14:imgEffect>
-                  </a14:imgLayer>
-                </a14:imgProps>
-              </a:ext>
-              <a:ext uri="{28A0092B-C50C-407E-A947-70E740481C1C}">
-                <a14:useLocalDpi xmlns:a14="http://schemas.microsoft.com/office/drawing/2010/main" val="0"/>
-              </a:ext>
-            </a:extLst>
-          </a:blip>
-          <a:stretch>
-            <a:fillRect/>
-          </a:stretch>
-        </p:blipFill>
-        <p:spPr>
-          <a:xfrm>
-            <a:off x="9396536" y="2060848"/>
-            <a:ext cx="1380952" cy="1809524"/>
-          </a:xfrm>
-          <a:prstGeom prst="rect">
-            <a:avLst/>
-          </a:prstGeom>
-        </p:spPr>
-      </p:pic>
-      <p:pic>
-        <p:nvPicPr>
-          <p:cNvPr id="9" name="그림 8"/>
-          <p:cNvPicPr>
-            <a:picLocks noChangeAspect="1"/>
-          </p:cNvPicPr>
-          <p:nvPr/>
-        </p:nvPicPr>
-        <p:blipFill>
-          <a:blip r:embed="rId5">
-            <a:extLst>
-              <a:ext uri="{BEBA8EAE-BF5A-486C-A8C5-ECC9F3942E4B}">
-                <a14:imgProps xmlns:a14="http://schemas.microsoft.com/office/drawing/2010/main">
-                  <a14:imgLayer r:embed="rId6">
-                    <a14:imgEffect>
-                      <a14:backgroundRemoval t="0" b="100000" l="0" r="100000">
-                        <a14:foregroundMark x1="9167" y1="50000" x2="11042" y2="48125"/>
-                        <a14:foregroundMark x1="29583" y1="47708" x2="33125" y2="56458"/>
-                        <a14:foregroundMark x1="48333" y1="49375" x2="53542" y2="54167"/>
-                        <a14:foregroundMark x1="67708" y1="48542" x2="72708" y2="53333"/>
-                        <a14:foregroundMark x1="89583" y1="48542" x2="91250" y2="54167"/>
-                        <a14:foregroundMark x1="8958" y1="28125" x2="9792" y2="34167"/>
-                        <a14:foregroundMark x1="32708" y1="25208" x2="28958" y2="35833"/>
-                        <a14:foregroundMark x1="51667" y1="24583" x2="46458" y2="37083"/>
-                        <a14:foregroundMark x1="71250" y1="26042" x2="68333" y2="37917"/>
-                        <a14:foregroundMark x1="91042" y1="25417" x2="89167" y2="38125"/>
-                        <a14:foregroundMark x1="90417" y1="10417" x2="90417" y2="10417"/>
-                        <a14:foregroundMark x1="70208" y1="10417" x2="70208" y2="10417"/>
-                        <a14:foregroundMark x1="50625" y1="10833" x2="50625" y2="10833"/>
-                        <a14:foregroundMark x1="29583" y1="10833" x2="29583" y2="10833"/>
-                        <a14:foregroundMark x1="10417" y1="10417" x2="10417" y2="10417"/>
-                        <a14:backgroundMark x1="19167" y1="11458" x2="19792" y2="20208"/>
-                        <a14:backgroundMark x1="20625" y1="10417" x2="20625" y2="10417"/>
-                        <a14:backgroundMark x1="2500" y1="67500" x2="94792" y2="66667"/>
-                        <a14:backgroundMark x1="20000" y1="38958" x2="20000" y2="71458"/>
-                        <a14:backgroundMark x1="42292" y1="41875" x2="41042" y2="69167"/>
-                        <a14:backgroundMark x1="61667" y1="42708" x2="58542" y2="68333"/>
-                        <a14:backgroundMark x1="82083" y1="44167" x2="78333" y2="68333"/>
-                        <a14:backgroundMark x1="58750" y1="23333" x2="60208" y2="41042"/>
-                        <a14:backgroundMark x1="81667" y1="22500" x2="78542" y2="41042"/>
-                        <a14:backgroundMark x1="97917" y1="22500" x2="99167" y2="42292"/>
-                      </a14:backgroundRemoval>
-                    </a14:imgEffect>
-                  </a14:imgLayer>
-                </a14:imgProps>
-              </a:ext>
-              <a:ext uri="{28A0092B-C50C-407E-A947-70E740481C1C}">
-                <a14:useLocalDpi xmlns:a14="http://schemas.microsoft.com/office/drawing/2010/main" val="0"/>
-              </a:ext>
-            </a:extLst>
-          </a:blip>
-          <a:stretch>
-            <a:fillRect/>
-          </a:stretch>
-        </p:blipFill>
-        <p:spPr>
-          <a:xfrm>
-            <a:off x="4559695" y="1196752"/>
-            <a:ext cx="4572000" cy="4572000"/>
-          </a:xfrm>
-          <a:prstGeom prst="rect">
-            <a:avLst/>
-          </a:prstGeom>
-        </p:spPr>
-      </p:pic>
-    </p:spTree>
-    <p:extLst>
-      <p:ext uri="{BB962C8B-B14F-4D97-AF65-F5344CB8AC3E}">
-        <p14:creationId xmlns:p14="http://schemas.microsoft.com/office/powerpoint/2010/main" val="867284708"/>
-      </p:ext>
-    </p:extLst>
-  </p:cSld>
-  <p:clrMapOvr>
-    <a:masterClrMapping/>
-  </p:clrMapOvr>
-</p:sld>
-</file>
-
-<file path=ppt/slides/slide3.xml><?xml version="1.0" encoding="utf-8"?>
-<p:sld xmlns:a="http://schemas.openxmlformats.org/drawingml/2006/main" xmlns:r="http://schemas.openxmlformats.org/officeDocument/2006/relationships" xmlns:p="http://schemas.openxmlformats.org/presentationml/2006/main">
-  <p:cSld>
-    <p:spTree>
-      <p:nvGrpSpPr>
-        <p:cNvPr id="1" name=""/>
-        <p:cNvGrpSpPr/>
-        <p:nvPr/>
-      </p:nvGrpSpPr>
-      <p:grpSpPr>
-        <a:xfrm>
-          <a:off x="0" y="0"/>
-          <a:ext cx="0" cy="0"/>
-          <a:chOff x="0" y="0"/>
-          <a:chExt cx="0" cy="0"/>
-        </a:xfrm>
-      </p:grpSpPr>
-      <p:pic>
-        <p:nvPicPr>
-          <p:cNvPr id="4" name="그림 3"/>
-          <p:cNvPicPr>
-            <a:picLocks noChangeAspect="1"/>
-          </p:cNvPicPr>
-          <p:nvPr/>
-        </p:nvPicPr>
-        <p:blipFill>
-          <a:blip r:embed="rId2">
-            <a:extLst>
-              <a:ext uri="{BEBA8EAE-BF5A-486C-A8C5-ECC9F3942E4B}">
-                <a14:imgProps xmlns:a14="http://schemas.microsoft.com/office/drawing/2010/main">
-                  <a14:imgLayer r:embed="rId3">
-                    <a14:imgEffect>
-                      <a14:backgroundRemoval t="0" b="100000" l="0" r="100000">
-                        <a14:foregroundMark x1="9236" y1="29792" x2="9236" y2="29792"/>
-                        <a14:foregroundMark x1="30486" y1="31319" x2="30486" y2="31319"/>
-                        <a14:foregroundMark x1="50000" y1="31111" x2="50000" y2="31111"/>
-                        <a14:foregroundMark x1="90000" y1="29931" x2="90000" y2="29931"/>
-                        <a14:foregroundMark x1="9583" y1="49861" x2="9583" y2="49861"/>
-                        <a14:foregroundMark x1="30486" y1="51389" x2="30486" y2="51389"/>
-                        <a14:foregroundMark x1="49444" y1="51042" x2="49444" y2="51042"/>
-                        <a14:foregroundMark x1="70486" y1="49653" x2="70486" y2="49653"/>
-                        <a14:foregroundMark x1="90417" y1="50625" x2="90417" y2="50625"/>
-                        <a14:foregroundMark x1="90208" y1="10833" x2="90208" y2="10833"/>
-                        <a14:foregroundMark x1="70694" y1="10208" x2="70694" y2="10208"/>
-                        <a14:foregroundMark x1="68958" y1="10069" x2="68958" y2="10069"/>
-                        <a14:foregroundMark x1="71458" y1="9306" x2="71458" y2="9306"/>
-                        <a14:foregroundMark x1="50417" y1="10417" x2="50417" y2="10417"/>
-                        <a14:foregroundMark x1="50972" y1="9653" x2="50972" y2="9653"/>
-                        <a14:foregroundMark x1="30278" y1="11042" x2="30278" y2="11042"/>
-                        <a14:foregroundMark x1="9583" y1="11042" x2="9583" y2="11042"/>
-                        <a14:foregroundMark x1="90972" y1="52569" x2="90972" y2="52569"/>
-                        <a14:foregroundMark x1="26597" y1="55833" x2="26597" y2="55833"/>
-                      </a14:backgroundRemoval>
-                    </a14:imgEffect>
-                  </a14:imgLayer>
-                </a14:imgProps>
-              </a:ext>
-              <a:ext uri="{28A0092B-C50C-407E-A947-70E740481C1C}">
-                <a14:useLocalDpi xmlns:a14="http://schemas.microsoft.com/office/drawing/2010/main" val="0"/>
-              </a:ext>
-            </a:extLst>
-          </a:blip>
-          <a:stretch>
-            <a:fillRect/>
-          </a:stretch>
-        </p:blipFill>
-        <p:spPr>
-          <a:xfrm>
-            <a:off x="1143000" y="0"/>
-            <a:ext cx="6858000" cy="6858000"/>
-          </a:xfrm>
-          <a:prstGeom prst="rect">
-            <a:avLst/>
-          </a:prstGeom>
-        </p:spPr>
-      </p:pic>
-    </p:spTree>
-    <p:extLst>
-      <p:ext uri="{BB962C8B-B14F-4D97-AF65-F5344CB8AC3E}">
-        <p14:creationId xmlns:p14="http://schemas.microsoft.com/office/powerpoint/2010/main" val="2376831422"/>
-      </p:ext>
-    </p:extLst>
-  </p:cSld>
-  <p:clrMapOvr>
-    <a:masterClrMapping/>
-  </p:clrMapOvr>
-</p:sld>
-</file>
-
-<file path=ppt/slides/slide4.xml><?xml version="1.0" encoding="utf-8"?>
-<p:sld xmlns:a="http://schemas.openxmlformats.org/drawingml/2006/main" xmlns:r="http://schemas.openxmlformats.org/officeDocument/2006/relationships" xmlns:p="http://schemas.openxmlformats.org/presentationml/2006/main">
-  <p:cSld>
-    <p:spTree>
-      <p:nvGrpSpPr>
-        <p:cNvPr id="1" name=""/>
-        <p:cNvGrpSpPr/>
-        <p:nvPr/>
-      </p:nvGrpSpPr>
-      <p:grpSpPr>
-        <a:xfrm>
-          <a:off x="0" y="0"/>
-          <a:ext cx="0" cy="0"/>
-          <a:chOff x="0" y="0"/>
-          <a:chExt cx="0" cy="0"/>
-        </a:xfrm>
-      </p:grpSpPr>
-      <p:pic>
-        <p:nvPicPr>
-          <p:cNvPr id="4" name="그림 3"/>
-          <p:cNvPicPr>
-            <a:picLocks noChangeAspect="1"/>
-          </p:cNvPicPr>
-          <p:nvPr/>
-        </p:nvPicPr>
-        <p:blipFill>
-          <a:blip r:embed="rId2">
-            <a:biLevel thresh="25000"/>
-            <a:extLst>
-              <a:ext uri="{BEBA8EAE-BF5A-486C-A8C5-ECC9F3942E4B}">
-                <a14:imgProps xmlns:a14="http://schemas.microsoft.com/office/drawing/2010/main">
-                  <a14:imgLayer r:embed="rId3">
-                    <a14:imgEffect>
-                      <a14:artisticWatercolorSponge/>
-                    </a14:imgEffect>
-                    <a14:imgEffect>
-                      <a14:saturation sat="300000"/>
-                    </a14:imgEffect>
-                  </a14:imgLayer>
-                </a14:imgProps>
-              </a:ext>
-              <a:ext uri="{28A0092B-C50C-407E-A947-70E740481C1C}">
-                <a14:useLocalDpi xmlns:a14="http://schemas.microsoft.com/office/drawing/2010/main" val="0"/>
-              </a:ext>
-            </a:extLst>
-          </a:blip>
-          <a:stretch>
-            <a:fillRect/>
-          </a:stretch>
-        </p:blipFill>
-        <p:spPr>
-          <a:xfrm>
-            <a:off x="-23526" y="1820168"/>
-            <a:ext cx="9144000" cy="240679"/>
-          </a:xfrm>
-          <a:prstGeom prst="rect">
-            <a:avLst/>
-          </a:prstGeom>
-        </p:spPr>
-      </p:pic>
-      <p:pic>
-        <p:nvPicPr>
-          <p:cNvPr id="5" name="그림 4"/>
-          <p:cNvPicPr>
-            <a:picLocks noChangeAspect="1"/>
-          </p:cNvPicPr>
-          <p:nvPr/>
-        </p:nvPicPr>
-        <p:blipFill>
-          <a:blip r:embed="rId4">
-            <a:extLst>
-              <a:ext uri="{28A0092B-C50C-407E-A947-70E740481C1C}">
-                <a14:useLocalDpi xmlns:a14="http://schemas.microsoft.com/office/drawing/2010/main" val="0"/>
-              </a:ext>
-            </a:extLst>
-          </a:blip>
-          <a:stretch>
-            <a:fillRect/>
-          </a:stretch>
-        </p:blipFill>
-        <p:spPr>
-          <a:xfrm>
-            <a:off x="0" y="3137536"/>
-            <a:ext cx="9144000" cy="146304"/>
-          </a:xfrm>
-          <a:prstGeom prst="rect">
-            <a:avLst/>
-          </a:prstGeom>
-        </p:spPr>
-      </p:pic>
-      <p:pic>
-        <p:nvPicPr>
-          <p:cNvPr id="6" name="그림 5"/>
-          <p:cNvPicPr>
-            <a:picLocks noChangeAspect="1"/>
-          </p:cNvPicPr>
-          <p:nvPr/>
-        </p:nvPicPr>
-        <p:blipFill>
-          <a:blip r:embed="rId5">
-            <a:extLst>
-              <a:ext uri="{28A0092B-C50C-407E-A947-70E740481C1C}">
-                <a14:useLocalDpi xmlns:a14="http://schemas.microsoft.com/office/drawing/2010/main" val="0"/>
-              </a:ext>
-            </a:extLst>
-          </a:blip>
-          <a:stretch>
-            <a:fillRect/>
-          </a:stretch>
-        </p:blipFill>
-        <p:spPr>
-          <a:xfrm>
-            <a:off x="-23526" y="3763714"/>
-            <a:ext cx="7619048" cy="152381"/>
-          </a:xfrm>
-          <a:prstGeom prst="rect">
-            <a:avLst/>
-          </a:prstGeom>
-        </p:spPr>
-      </p:pic>
-      <p:pic>
-        <p:nvPicPr>
-          <p:cNvPr id="7" name="그림 6"/>
-          <p:cNvPicPr>
-            <a:picLocks noChangeAspect="1"/>
-          </p:cNvPicPr>
-          <p:nvPr/>
-        </p:nvPicPr>
-        <p:blipFill>
-          <a:blip r:embed="rId6">
-            <a:extLst>
-              <a:ext uri="{28A0092B-C50C-407E-A947-70E740481C1C}">
-                <a14:useLocalDpi xmlns:a14="http://schemas.microsoft.com/office/drawing/2010/main" val="0"/>
-              </a:ext>
-            </a:extLst>
-          </a:blip>
-          <a:stretch>
-            <a:fillRect/>
-          </a:stretch>
-        </p:blipFill>
-        <p:spPr>
-          <a:xfrm>
-            <a:off x="0" y="4399195"/>
-            <a:ext cx="5714286" cy="152381"/>
-          </a:xfrm>
-          <a:prstGeom prst="rect">
-            <a:avLst/>
-          </a:prstGeom>
-        </p:spPr>
-      </p:pic>
-      <p:pic>
-        <p:nvPicPr>
-          <p:cNvPr id="8" name="그림 7"/>
-          <p:cNvPicPr>
-            <a:picLocks noChangeAspect="1"/>
-          </p:cNvPicPr>
-          <p:nvPr/>
-        </p:nvPicPr>
-        <p:blipFill>
-          <a:blip r:embed="rId7">
-            <a:extLst>
-              <a:ext uri="{28A0092B-C50C-407E-A947-70E740481C1C}">
-                <a14:useLocalDpi xmlns:a14="http://schemas.microsoft.com/office/drawing/2010/main" val="0"/>
-              </a:ext>
-            </a:extLst>
-          </a:blip>
-          <a:stretch>
-            <a:fillRect/>
-          </a:stretch>
-        </p:blipFill>
-        <p:spPr>
-          <a:xfrm>
-            <a:off x="0" y="5031450"/>
-            <a:ext cx="3809524" cy="152381"/>
-          </a:xfrm>
-          <a:prstGeom prst="rect">
-            <a:avLst/>
-          </a:prstGeom>
-        </p:spPr>
-      </p:pic>
-      <p:pic>
-        <p:nvPicPr>
-          <p:cNvPr id="9" name="그림 8"/>
-          <p:cNvPicPr>
-            <a:picLocks noChangeAspect="1"/>
-          </p:cNvPicPr>
-          <p:nvPr/>
-        </p:nvPicPr>
-        <p:blipFill>
-          <a:blip r:embed="rId8">
-            <a:extLst>
-              <a:ext uri="{28A0092B-C50C-407E-A947-70E740481C1C}">
-                <a14:useLocalDpi xmlns:a14="http://schemas.microsoft.com/office/drawing/2010/main" val="0"/>
-              </a:ext>
-            </a:extLst>
-          </a:blip>
-          <a:stretch>
-            <a:fillRect/>
-          </a:stretch>
-        </p:blipFill>
-        <p:spPr>
-          <a:xfrm>
-            <a:off x="0" y="5663705"/>
-            <a:ext cx="1904762" cy="152381"/>
-          </a:xfrm>
-          <a:prstGeom prst="rect">
-            <a:avLst/>
-          </a:prstGeom>
-        </p:spPr>
-      </p:pic>
-      <p:pic>
-        <p:nvPicPr>
-          <p:cNvPr id="10" name="그림 9"/>
-          <p:cNvPicPr>
-            <a:picLocks noChangeAspect="1"/>
-          </p:cNvPicPr>
-          <p:nvPr/>
-        </p:nvPicPr>
-        <p:blipFill>
-          <a:blip r:embed="rId9">
-            <a:extLst>
-              <a:ext uri="{28A0092B-C50C-407E-A947-70E740481C1C}">
-                <a14:useLocalDpi xmlns:a14="http://schemas.microsoft.com/office/drawing/2010/main" val="0"/>
-              </a:ext>
-            </a:extLst>
-          </a:blip>
-          <a:stretch>
-            <a:fillRect/>
-          </a:stretch>
-        </p:blipFill>
-        <p:spPr>
-          <a:xfrm>
-            <a:off x="2978" y="6295960"/>
-            <a:ext cx="285714" cy="152381"/>
-          </a:xfrm>
-          <a:prstGeom prst="rect">
-            <a:avLst/>
-          </a:prstGeom>
-        </p:spPr>
-      </p:pic>
-      <p:pic>
-        <p:nvPicPr>
-          <p:cNvPr id="12" name="그림 11"/>
-          <p:cNvPicPr>
-            <a:picLocks noChangeAspect="1"/>
-          </p:cNvPicPr>
-          <p:nvPr/>
-        </p:nvPicPr>
-        <p:blipFill>
-          <a:blip r:embed="rId10">
-            <a:extLst>
-              <a:ext uri="{BEBA8EAE-BF5A-486C-A8C5-ECC9F3942E4B}">
-                <a14:imgProps xmlns:a14="http://schemas.microsoft.com/office/drawing/2010/main">
-                  <a14:imgLayer r:embed="rId11">
-                    <a14:imgEffect>
-                      <a14:backgroundRemoval t="0" b="100000" l="0" r="100000">
-                        <a14:foregroundMark x1="17333" y1="25424" x2="18000" y2="77966"/>
-                        <a14:foregroundMark x1="32000" y1="23729" x2="32000" y2="77966"/>
-                        <a14:foregroundMark x1="73333" y1="30508" x2="73333" y2="79661"/>
-                      </a14:backgroundRemoval>
-                    </a14:imgEffect>
-                  </a14:imgLayer>
-                </a14:imgProps>
-              </a:ext>
-              <a:ext uri="{28A0092B-C50C-407E-A947-70E740481C1C}">
-                <a14:useLocalDpi xmlns:a14="http://schemas.microsoft.com/office/drawing/2010/main" val="0"/>
-              </a:ext>
-            </a:extLst>
-          </a:blip>
-          <a:stretch>
-            <a:fillRect/>
-          </a:stretch>
-        </p:blipFill>
-        <p:spPr>
-          <a:xfrm>
-            <a:off x="10260632" y="1262319"/>
-            <a:ext cx="1428571" cy="561905"/>
-          </a:xfrm>
-          <a:prstGeom prst="rect">
-            <a:avLst/>
-          </a:prstGeom>
-        </p:spPr>
-      </p:pic>
-      <p:pic>
-        <p:nvPicPr>
-          <p:cNvPr id="13" name="그림 12"/>
-          <p:cNvPicPr>
-            <a:picLocks noChangeAspect="1"/>
-          </p:cNvPicPr>
-          <p:nvPr/>
-        </p:nvPicPr>
-        <p:blipFill>
-          <a:blip r:embed="rId12">
-            <a:extLst>
-              <a:ext uri="{BEBA8EAE-BF5A-486C-A8C5-ECC9F3942E4B}">
-                <a14:imgProps xmlns:a14="http://schemas.microsoft.com/office/drawing/2010/main">
-                  <a14:imgLayer r:embed="rId13">
-                    <a14:imgEffect>
-                      <a14:backgroundRemoval t="0" b="100000" l="0" r="100000">
-                        <a14:foregroundMark x1="21333" y1="25424" x2="21333" y2="77966"/>
-                        <a14:foregroundMark x1="36667" y1="25424" x2="36667" y2="77966"/>
-                        <a14:foregroundMark x1="47333" y1="30508" x2="46000" y2="67797"/>
-                      </a14:backgroundRemoval>
-                    </a14:imgEffect>
-                  </a14:imgLayer>
-                </a14:imgProps>
-              </a:ext>
-              <a:ext uri="{28A0092B-C50C-407E-A947-70E740481C1C}">
-                <a14:useLocalDpi xmlns:a14="http://schemas.microsoft.com/office/drawing/2010/main" val="0"/>
-              </a:ext>
-            </a:extLst>
-          </a:blip>
-          <a:stretch>
-            <a:fillRect/>
-          </a:stretch>
-        </p:blipFill>
-        <p:spPr>
-          <a:xfrm>
-            <a:off x="10260632" y="1920763"/>
-            <a:ext cx="1428571" cy="561905"/>
-          </a:xfrm>
-          <a:prstGeom prst="rect">
-            <a:avLst/>
-          </a:prstGeom>
-        </p:spPr>
-      </p:pic>
-      <p:pic>
-        <p:nvPicPr>
-          <p:cNvPr id="15" name="그림 14"/>
-          <p:cNvPicPr>
-            <a:picLocks noChangeAspect="1"/>
-          </p:cNvPicPr>
-          <p:nvPr/>
-        </p:nvPicPr>
-        <p:blipFill>
-          <a:blip r:embed="rId14" cstate="print">
-            <a:extLst>
-              <a:ext uri="{28A0092B-C50C-407E-A947-70E740481C1C}">
-                <a14:useLocalDpi xmlns:a14="http://schemas.microsoft.com/office/drawing/2010/main" val="0"/>
-              </a:ext>
-            </a:extLst>
-          </a:blip>
-          <a:stretch>
-            <a:fillRect/>
-          </a:stretch>
-        </p:blipFill>
-        <p:spPr>
-          <a:xfrm>
-            <a:off x="9324528" y="3758439"/>
-            <a:ext cx="545670" cy="464400"/>
-          </a:xfrm>
-          <a:prstGeom prst="rect">
-            <a:avLst/>
-          </a:prstGeom>
-        </p:spPr>
-      </p:pic>
-    </p:spTree>
-    <p:extLst>
-      <p:ext uri="{BB962C8B-B14F-4D97-AF65-F5344CB8AC3E}">
-        <p14:creationId xmlns:p14="http://schemas.microsoft.com/office/powerpoint/2010/main" val="2150952791"/>
-      </p:ext>
-    </p:extLst>
-  </p:cSld>
-  <p:clrMapOvr>
-    <a:masterClrMapping/>
-  </p:clrMapOvr>
-</p:sld>
-</file>
-
-<file path=ppt/slides/slide5.xml><?xml version="1.0" encoding="utf-8"?>
 <p:sld xmlns:a="http://schemas.openxmlformats.org/drawingml/2006/main" xmlns:r="http://schemas.openxmlformats.org/officeDocument/2006/relationships" xmlns:p="http://schemas.openxmlformats.org/presentationml/2006/main">
   <p:cSld>
     <p:spTree>
@@ -6060,10 +5078,17 @@
   <p:clrMapOvr>
     <a:masterClrMapping/>
   </p:clrMapOvr>
+  <p:timing>
+    <p:tnLst>
+      <p:par>
+        <p:cTn id="1" dur="indefinite" restart="never" nodeType="tmRoot"/>
+      </p:par>
+    </p:tnLst>
+  </p:timing>
 </p:sld>
 </file>
 
-<file path=ppt/slides/slide6.xml><?xml version="1.0" encoding="utf-8"?>
+<file path=ppt/slides/slide3.xml><?xml version="1.0" encoding="utf-8"?>
 <p:sld xmlns:a="http://schemas.openxmlformats.org/drawingml/2006/main" xmlns:r="http://schemas.openxmlformats.org/officeDocument/2006/relationships" xmlns:p="http://schemas.openxmlformats.org/presentationml/2006/main">
   <p:cSld>
     <p:spTree>
@@ -6582,6 +5607,13 @@
   <p:clrMapOvr>
     <a:masterClrMapping/>
   </p:clrMapOvr>
+  <p:timing>
+    <p:tnLst>
+      <p:par>
+        <p:cTn id="1" dur="indefinite" restart="never" nodeType="tmRoot"/>
+      </p:par>
+    </p:tnLst>
+  </p:timing>
 </p:sld>
 </file>
 

--- a/Game_Project/ch1/작업용 PPT.pptx
+++ b/Game_Project/ch1/작업용 PPT.pptx
@@ -1,6 +1,6 @@
 
 <file path=ppt/presentation.xml><?xml version="1.0" encoding="utf-8"?>
-<p:presentation xmlns:a="http://schemas.openxmlformats.org/drawingml/2006/main" xmlns:r="http://schemas.openxmlformats.org/officeDocument/2006/relationships" xmlns:p="http://schemas.openxmlformats.org/presentationml/2006/main" saveSubsetFonts="1">
+<p:presentation xmlns:a="http://schemas.openxmlformats.org/drawingml/2006/main" xmlns:r="http://schemas.openxmlformats.org/officeDocument/2006/relationships" xmlns:p="http://schemas.openxmlformats.org/presentationml/2006/main" saveSubsetFonts="1" autoCompressPictures="0">
   <p:sldMasterIdLst>
     <p:sldMasterId id="2147483648" r:id="rId1"/>
   </p:sldMasterIdLst>
@@ -213,7 +213,7 @@
           <a:p>
             <a:fld id="{5817AA59-4BB8-4F81-8711-A4493DD09566}" type="datetimeFigureOut">
               <a:rPr lang="ko-KR" altLang="en-US" smtClean="0"/>
-              <a:t>2016-10-18</a:t>
+              <a:t>2016-11-29</a:t>
             </a:fld>
             <a:endParaRPr lang="ko-KR" altLang="en-US"/>
           </a:p>
@@ -743,7 +743,7 @@
           <a:p>
             <a:fld id="{F4AE5A66-645D-48BB-B2B1-5B2CEA632C9D}" type="datetimeFigureOut">
               <a:rPr lang="ko-KR" altLang="en-US" smtClean="0"/>
-              <a:t>2016-10-18</a:t>
+              <a:t>2016-11-29</a:t>
             </a:fld>
             <a:endParaRPr lang="ko-KR" altLang="en-US"/>
           </a:p>
@@ -911,7 +911,7 @@
           <a:p>
             <a:fld id="{F4AE5A66-645D-48BB-B2B1-5B2CEA632C9D}" type="datetimeFigureOut">
               <a:rPr lang="ko-KR" altLang="en-US" smtClean="0"/>
-              <a:t>2016-10-18</a:t>
+              <a:t>2016-11-29</a:t>
             </a:fld>
             <a:endParaRPr lang="ko-KR" altLang="en-US"/>
           </a:p>
@@ -1089,7 +1089,7 @@
           <a:p>
             <a:fld id="{F4AE5A66-645D-48BB-B2B1-5B2CEA632C9D}" type="datetimeFigureOut">
               <a:rPr lang="ko-KR" altLang="en-US" smtClean="0"/>
-              <a:t>2016-10-18</a:t>
+              <a:t>2016-11-29</a:t>
             </a:fld>
             <a:endParaRPr lang="ko-KR" altLang="en-US"/>
           </a:p>
@@ -1257,7 +1257,7 @@
           <a:p>
             <a:fld id="{F4AE5A66-645D-48BB-B2B1-5B2CEA632C9D}" type="datetimeFigureOut">
               <a:rPr lang="ko-KR" altLang="en-US" smtClean="0"/>
-              <a:t>2016-10-18</a:t>
+              <a:t>2016-11-29</a:t>
             </a:fld>
             <a:endParaRPr lang="ko-KR" altLang="en-US"/>
           </a:p>
@@ -1502,7 +1502,7 @@
           <a:p>
             <a:fld id="{F4AE5A66-645D-48BB-B2B1-5B2CEA632C9D}" type="datetimeFigureOut">
               <a:rPr lang="ko-KR" altLang="en-US" smtClean="0"/>
-              <a:t>2016-10-18</a:t>
+              <a:t>2016-11-29</a:t>
             </a:fld>
             <a:endParaRPr lang="ko-KR" altLang="en-US"/>
           </a:p>
@@ -1787,7 +1787,7 @@
           <a:p>
             <a:fld id="{F4AE5A66-645D-48BB-B2B1-5B2CEA632C9D}" type="datetimeFigureOut">
               <a:rPr lang="ko-KR" altLang="en-US" smtClean="0"/>
-              <a:t>2016-10-18</a:t>
+              <a:t>2016-11-29</a:t>
             </a:fld>
             <a:endParaRPr lang="ko-KR" altLang="en-US"/>
           </a:p>
@@ -2206,7 +2206,7 @@
           <a:p>
             <a:fld id="{F4AE5A66-645D-48BB-B2B1-5B2CEA632C9D}" type="datetimeFigureOut">
               <a:rPr lang="ko-KR" altLang="en-US" smtClean="0"/>
-              <a:t>2016-10-18</a:t>
+              <a:t>2016-11-29</a:t>
             </a:fld>
             <a:endParaRPr lang="ko-KR" altLang="en-US"/>
           </a:p>
@@ -2323,7 +2323,7 @@
           <a:p>
             <a:fld id="{F4AE5A66-645D-48BB-B2B1-5B2CEA632C9D}" type="datetimeFigureOut">
               <a:rPr lang="ko-KR" altLang="en-US" smtClean="0"/>
-              <a:t>2016-10-18</a:t>
+              <a:t>2016-11-29</a:t>
             </a:fld>
             <a:endParaRPr lang="ko-KR" altLang="en-US"/>
           </a:p>
@@ -2418,7 +2418,7 @@
           <a:p>
             <a:fld id="{F4AE5A66-645D-48BB-B2B1-5B2CEA632C9D}" type="datetimeFigureOut">
               <a:rPr lang="ko-KR" altLang="en-US" smtClean="0"/>
-              <a:t>2016-10-18</a:t>
+              <a:t>2016-11-29</a:t>
             </a:fld>
             <a:endParaRPr lang="ko-KR" altLang="en-US"/>
           </a:p>
@@ -2693,7 +2693,7 @@
           <a:p>
             <a:fld id="{F4AE5A66-645D-48BB-B2B1-5B2CEA632C9D}" type="datetimeFigureOut">
               <a:rPr lang="ko-KR" altLang="en-US" smtClean="0"/>
-              <a:t>2016-10-18</a:t>
+              <a:t>2016-11-29</a:t>
             </a:fld>
             <a:endParaRPr lang="ko-KR" altLang="en-US"/>
           </a:p>
@@ -2945,7 +2945,7 @@
           <a:p>
             <a:fld id="{F4AE5A66-645D-48BB-B2B1-5B2CEA632C9D}" type="datetimeFigureOut">
               <a:rPr lang="ko-KR" altLang="en-US" smtClean="0"/>
-              <a:t>2016-10-18</a:t>
+              <a:t>2016-11-29</a:t>
             </a:fld>
             <a:endParaRPr lang="ko-KR" altLang="en-US"/>
           </a:p>
@@ -3156,7 +3156,7 @@
           <a:p>
             <a:fld id="{F4AE5A66-645D-48BB-B2B1-5B2CEA632C9D}" type="datetimeFigureOut">
               <a:rPr lang="ko-KR" altLang="en-US" smtClean="0"/>
-              <a:t>2016-10-18</a:t>
+              <a:t>2016-11-29</a:t>
             </a:fld>
             <a:endParaRPr lang="ko-KR" altLang="en-US"/>
           </a:p>
@@ -4520,6 +4520,204 @@
           </a:prstGeom>
         </p:spPr>
       </p:pic>
+      <p:pic>
+        <p:nvPicPr>
+          <p:cNvPr id="10" name="그림 9"/>
+          <p:cNvPicPr>
+            <a:picLocks noChangeAspect="1"/>
+          </p:cNvPicPr>
+          <p:nvPr/>
+        </p:nvPicPr>
+        <p:blipFill>
+          <a:blip r:embed="rId23">
+            <a:extLst>
+              <a:ext uri="{28A0092B-C50C-407E-A947-70E740481C1C}">
+                <a14:useLocalDpi xmlns:a14="http://schemas.microsoft.com/office/drawing/2010/main" val="0"/>
+              </a:ext>
+            </a:extLst>
+          </a:blip>
+          <a:stretch>
+            <a:fillRect/>
+          </a:stretch>
+        </p:blipFill>
+        <p:spPr>
+          <a:xfrm flipH="1">
+            <a:off x="1098835" y="2779868"/>
+            <a:ext cx="1310526" cy="982896"/>
+          </a:xfrm>
+          <a:prstGeom prst="rect">
+            <a:avLst/>
+          </a:prstGeom>
+        </p:spPr>
+      </p:pic>
+      <p:pic>
+        <p:nvPicPr>
+          <p:cNvPr id="16" name="그림 15"/>
+          <p:cNvPicPr>
+            <a:picLocks noChangeAspect="1"/>
+          </p:cNvPicPr>
+          <p:nvPr/>
+        </p:nvPicPr>
+        <p:blipFill>
+          <a:blip r:embed="rId24">
+            <a:extLst>
+              <a:ext uri="{28A0092B-C50C-407E-A947-70E740481C1C}">
+                <a14:useLocalDpi xmlns:a14="http://schemas.microsoft.com/office/drawing/2010/main" val="0"/>
+              </a:ext>
+            </a:extLst>
+          </a:blip>
+          <a:stretch>
+            <a:fillRect/>
+          </a:stretch>
+        </p:blipFill>
+        <p:spPr>
+          <a:xfrm>
+            <a:off x="-828600" y="2951125"/>
+            <a:ext cx="1124019" cy="843015"/>
+          </a:xfrm>
+          <a:prstGeom prst="rect">
+            <a:avLst/>
+          </a:prstGeom>
+        </p:spPr>
+      </p:pic>
+      <p:pic>
+        <p:nvPicPr>
+          <p:cNvPr id="21" name="그림 20"/>
+          <p:cNvPicPr>
+            <a:picLocks noChangeAspect="1"/>
+          </p:cNvPicPr>
+          <p:nvPr/>
+        </p:nvPicPr>
+        <p:blipFill>
+          <a:blip r:embed="rId25">
+            <a:extLst>
+              <a:ext uri="{28A0092B-C50C-407E-A947-70E740481C1C}">
+                <a14:useLocalDpi xmlns:a14="http://schemas.microsoft.com/office/drawing/2010/main" val="0"/>
+              </a:ext>
+            </a:extLst>
+          </a:blip>
+          <a:stretch>
+            <a:fillRect/>
+          </a:stretch>
+        </p:blipFill>
+        <p:spPr>
+          <a:xfrm>
+            <a:off x="-4149837" y="4932979"/>
+            <a:ext cx="1116305" cy="811857"/>
+          </a:xfrm>
+          <a:prstGeom prst="rect">
+            <a:avLst/>
+          </a:prstGeom>
+        </p:spPr>
+      </p:pic>
+      <p:pic>
+        <p:nvPicPr>
+          <p:cNvPr id="24" name="그림 23"/>
+          <p:cNvPicPr>
+            <a:picLocks noChangeAspect="1"/>
+          </p:cNvPicPr>
+          <p:nvPr/>
+        </p:nvPicPr>
+        <p:blipFill>
+          <a:blip r:embed="rId26">
+            <a:extLst>
+              <a:ext uri="{28A0092B-C50C-407E-A947-70E740481C1C}">
+                <a14:useLocalDpi xmlns:a14="http://schemas.microsoft.com/office/drawing/2010/main" val="0"/>
+              </a:ext>
+            </a:extLst>
+          </a:blip>
+          <a:stretch>
+            <a:fillRect/>
+          </a:stretch>
+        </p:blipFill>
+        <p:spPr>
+          <a:xfrm>
+            <a:off x="-2769790" y="3228116"/>
+            <a:ext cx="1076471" cy="962155"/>
+          </a:xfrm>
+          <a:prstGeom prst="rect">
+            <a:avLst/>
+          </a:prstGeom>
+        </p:spPr>
+      </p:pic>
+      <p:pic>
+        <p:nvPicPr>
+          <p:cNvPr id="25" name="그림 24"/>
+          <p:cNvPicPr>
+            <a:picLocks noChangeAspect="1"/>
+          </p:cNvPicPr>
+          <p:nvPr/>
+        </p:nvPicPr>
+        <p:blipFill>
+          <a:blip r:embed="rId27">
+            <a:extLst>
+              <a:ext uri="{BEBA8EAE-BF5A-486C-A8C5-ECC9F3942E4B}">
+                <a14:imgProps xmlns:a14="http://schemas.microsoft.com/office/drawing/2010/main">
+                  <a14:imgLayer r:embed="rId28">
+                    <a14:imgEffect>
+                      <a14:backgroundRemoval t="0" b="100000" l="0" r="100000"/>
+                    </a14:imgEffect>
+                  </a14:imgLayer>
+                </a14:imgProps>
+              </a:ext>
+              <a:ext uri="{28A0092B-C50C-407E-A947-70E740481C1C}">
+                <a14:useLocalDpi xmlns:a14="http://schemas.microsoft.com/office/drawing/2010/main" val="0"/>
+              </a:ext>
+            </a:extLst>
+          </a:blip>
+          <a:stretch>
+            <a:fillRect/>
+          </a:stretch>
+        </p:blipFill>
+        <p:spPr>
+          <a:xfrm>
+            <a:off x="-3357799" y="122003"/>
+            <a:ext cx="1076325" cy="962025"/>
+          </a:xfrm>
+          <a:prstGeom prst="rect">
+            <a:avLst/>
+          </a:prstGeom>
+        </p:spPr>
+      </p:pic>
+      <p:pic>
+        <p:nvPicPr>
+          <p:cNvPr id="26" name="그림 25"/>
+          <p:cNvPicPr>
+            <a:picLocks noChangeAspect="1"/>
+          </p:cNvPicPr>
+          <p:nvPr/>
+        </p:nvPicPr>
+        <p:blipFill>
+          <a:blip r:embed="rId29">
+            <a:extLst>
+              <a:ext uri="{BEBA8EAE-BF5A-486C-A8C5-ECC9F3942E4B}">
+                <a14:imgProps xmlns:a14="http://schemas.microsoft.com/office/drawing/2010/main">
+                  <a14:imgLayer r:embed="rId30">
+                    <a14:imgEffect>
+                      <a14:backgroundRemoval t="0" b="100000" l="0" r="100000"/>
+                    </a14:imgEffect>
+                  </a14:imgLayer>
+                </a14:imgProps>
+              </a:ext>
+              <a:ext uri="{28A0092B-C50C-407E-A947-70E740481C1C}">
+                <a14:useLocalDpi xmlns:a14="http://schemas.microsoft.com/office/drawing/2010/main" val="0"/>
+              </a:ext>
+            </a:extLst>
+          </a:blip>
+          <a:stretch>
+            <a:fillRect/>
+          </a:stretch>
+        </p:blipFill>
+        <p:spPr>
+          <a:xfrm>
+            <a:off x="7133428" y="4959847"/>
+            <a:ext cx="1076325" cy="962025"/>
+          </a:xfrm>
+          <a:prstGeom prst="rect">
+            <a:avLst/>
+          </a:prstGeom>
+        </p:spPr>
+      </p:pic>
     </p:spTree>
     <p:extLst>
       <p:ext uri="{BB962C8B-B14F-4D97-AF65-F5344CB8AC3E}">
@@ -6048,6 +6246,47 @@
               </a14:hiddenFill>
             </a:ext>
           </a:extLst>
+        </p:spPr>
+      </p:pic>
+      <p:pic>
+        <p:nvPicPr>
+          <p:cNvPr id="4" name="그림 3"/>
+          <p:cNvPicPr>
+            <a:picLocks noChangeAspect="1"/>
+          </p:cNvPicPr>
+          <p:nvPr/>
+        </p:nvPicPr>
+        <p:blipFill>
+          <a:blip r:embed="rId3">
+            <a:extLst>
+              <a:ext uri="{BEBA8EAE-BF5A-486C-A8C5-ECC9F3942E4B}">
+                <a14:imgProps xmlns:a14="http://schemas.microsoft.com/office/drawing/2010/main">
+                  <a14:imgLayer r:embed="rId4">
+                    <a14:imgEffect>
+                      <a14:backgroundRemoval t="10000" b="90000" l="2500" r="98250"/>
+                    </a14:imgEffect>
+                  </a14:imgLayer>
+                </a14:imgProps>
+              </a:ext>
+            </a:extLst>
+          </a:blip>
+          <a:stretch>
+            <a:fillRect/>
+          </a:stretch>
+        </p:blipFill>
+        <p:spPr>
+          <a:xfrm>
+            <a:off x="992706" y="4411275"/>
+            <a:ext cx="7619048" cy="1428571"/>
+          </a:xfrm>
+          <a:prstGeom prst="rect">
+            <a:avLst/>
+          </a:prstGeom>
+          <a:effectLst>
+            <a:glow rad="482600">
+              <a:schemeClr val="bg1"/>
+            </a:glow>
+          </a:effectLst>
         </p:spPr>
       </p:pic>
     </p:spTree>
